--- a/PPT/Template/GlobalAI-Speaker template.pptx
+++ b/PPT/Template/GlobalAI-Speaker template.pptx
@@ -280,7 +280,7 @@
               <a:rPr lang="en-US" smtClean="0">
                 <a:latin typeface="Segoe UI" pitchFamily="34" charset="0"/>
               </a:rPr>
-              <a:t>12/9/2019 11:46 AM</a:t>
+              <a:t>1/10/2021 1:48 PM</a:t>
             </a:fld>
             <a:endParaRPr lang="en-US">
               <a:latin typeface="Segoe UI" pitchFamily="34" charset="0"/>
@@ -558,7 +558,7 @@
           <a:p>
             <a:fld id="{386CE63F-9E7F-4C04-9D0D-FCA25A8E9E86}" type="datetime8">
               <a:rPr lang="en-US" smtClean="0"/>
-              <a:t>12/9/2019 11:46 AM</a:t>
+              <a:t>1/10/2021 1:48 PM</a:t>
             </a:fld>
             <a:endParaRPr lang="en-US"/>
           </a:p>
@@ -914,7 +914,7 @@
           <p:nvPr userDrawn="1"/>
         </p:nvPicPr>
         <p:blipFill rotWithShape="1">
-          <a:blip r:embed="rId3"/>
+          <a:blip r:embed="rId2"/>
           <a:srcRect b="1178"/>
           <a:stretch/>
         </p:blipFill>
@@ -1015,12 +1015,12 @@
           <a:graphicData uri="http://schemas.openxmlformats.org/presentationml/2006/ole">
             <mc:AlternateContent xmlns:mc="http://schemas.openxmlformats.org/markup-compatibility/2006">
               <mc:Choice xmlns:v="urn:schemas-microsoft-com:vml" Requires="v">
-                <p:oleObj spid="_x0000_s2088" name="CorelDRAW" r:id="rId4" imgW="1486020" imgH="1396161" progId="CorelDraw.Graphic.21">
+                <p:oleObj name="CorelDRAW" r:id="rId3" imgW="1486020" imgH="1396161" progId="CorelDraw.Graphic.21">
                   <p:embed/>
                 </p:oleObj>
               </mc:Choice>
               <mc:Fallback>
-                <p:oleObj name="CorelDRAW" r:id="rId4" imgW="1486020" imgH="1396161" progId="CorelDraw.Graphic.21">
+                <p:oleObj name="CorelDRAW" r:id="rId3" imgW="1486020" imgH="1396161" progId="CorelDraw.Graphic.21">
                   <p:embed/>
                   <p:pic>
                     <p:nvPicPr>
@@ -1029,7 +1029,7 @@
                       <p:nvPr/>
                     </p:nvPicPr>
                     <p:blipFill>
-                      <a:blip r:embed="rId5"/>
+                      <a:blip r:embed="rId4"/>
                       <a:stretch>
                         <a:fillRect/>
                       </a:stretch>
@@ -1078,12 +1078,12 @@
           <a:graphicData uri="http://schemas.openxmlformats.org/presentationml/2006/ole">
             <mc:AlternateContent xmlns:mc="http://schemas.openxmlformats.org/markup-compatibility/2006">
               <mc:Choice xmlns:v="urn:schemas-microsoft-com:vml" Requires="v">
-                <p:oleObj spid="_x0000_s2089" name="CorelDRAW" r:id="rId6" imgW="10437565" imgH="1396161" progId="CorelDraw.Graphic.21">
+                <p:oleObj name="CorelDRAW" r:id="rId5" imgW="10437565" imgH="1396161" progId="CorelDraw.Graphic.21">
                   <p:embed/>
                 </p:oleObj>
               </mc:Choice>
               <mc:Fallback>
-                <p:oleObj name="CorelDRAW" r:id="rId6" imgW="10437565" imgH="1396161" progId="CorelDraw.Graphic.21">
+                <p:oleObj name="CorelDRAW" r:id="rId5" imgW="10437565" imgH="1396161" progId="CorelDraw.Graphic.21">
                   <p:embed/>
                   <p:pic>
                     <p:nvPicPr>
@@ -1098,7 +1098,7 @@
                       <p:nvPr/>
                     </p:nvPicPr>
                     <p:blipFill>
-                      <a:blip r:embed="rId7"/>
+                      <a:blip r:embed="rId6"/>
                       <a:stretch>
                         <a:fillRect/>
                       </a:stretch>
@@ -1357,7 +1357,7 @@
         </p:nvSpPr>
         <p:spPr bwMode="auto">
           <a:xfrm>
-            <a:off x="0" y="-10285"/>
+            <a:off x="0" y="-12702"/>
             <a:ext cx="12192000" cy="6858000"/>
           </a:xfrm>
           <a:prstGeom prst="rect">
@@ -1422,126 +1422,6 @@
           </a:p>
         </p:txBody>
       </p:sp>
-      <p:pic>
-        <p:nvPicPr>
-          <p:cNvPr id="5" name="Imagen 4">
-            <a:extLst>
-              <a:ext uri="{FF2B5EF4-FFF2-40B4-BE49-F238E27FC236}">
-                <a16:creationId xmlns:a16="http://schemas.microsoft.com/office/drawing/2014/main" id="{E7846672-14B7-4DA0-BE43-CF16928D38A3}"/>
-              </a:ext>
-            </a:extLst>
-          </p:cNvPr>
-          <p:cNvPicPr>
-            <a:picLocks noChangeAspect="1"/>
-          </p:cNvPicPr>
-          <p:nvPr userDrawn="1"/>
-        </p:nvPicPr>
-        <p:blipFill>
-          <a:blip r:embed="rId3"/>
-          <a:stretch>
-            <a:fillRect/>
-          </a:stretch>
-        </p:blipFill>
-        <p:spPr>
-          <a:xfrm>
-            <a:off x="5345394" y="5095658"/>
-            <a:ext cx="2243624" cy="690346"/>
-          </a:xfrm>
-          <a:prstGeom prst="rect">
-            <a:avLst/>
-          </a:prstGeom>
-        </p:spPr>
-      </p:pic>
-      <p:pic>
-        <p:nvPicPr>
-          <p:cNvPr id="21" name="Imagen 20">
-            <a:extLst>
-              <a:ext uri="{FF2B5EF4-FFF2-40B4-BE49-F238E27FC236}">
-                <a16:creationId xmlns:a16="http://schemas.microsoft.com/office/drawing/2014/main" id="{EA47249B-0A00-4EC9-853D-FB22115FF5E0}"/>
-              </a:ext>
-            </a:extLst>
-          </p:cNvPr>
-          <p:cNvPicPr>
-            <a:picLocks noChangeAspect="1"/>
-          </p:cNvPicPr>
-          <p:nvPr userDrawn="1"/>
-        </p:nvPicPr>
-        <p:blipFill>
-          <a:blip r:embed="rId4"/>
-          <a:stretch>
-            <a:fillRect/>
-          </a:stretch>
-        </p:blipFill>
-        <p:spPr>
-          <a:xfrm>
-            <a:off x="9832743" y="4758278"/>
-            <a:ext cx="1706139" cy="853070"/>
-          </a:xfrm>
-          <a:prstGeom prst="rect">
-            <a:avLst/>
-          </a:prstGeom>
-        </p:spPr>
-      </p:pic>
-      <p:pic>
-        <p:nvPicPr>
-          <p:cNvPr id="23" name="Imagen 22">
-            <a:extLst>
-              <a:ext uri="{FF2B5EF4-FFF2-40B4-BE49-F238E27FC236}">
-                <a16:creationId xmlns:a16="http://schemas.microsoft.com/office/drawing/2014/main" id="{62792325-A6A2-4C4C-A58F-0C4A98B04D25}"/>
-              </a:ext>
-            </a:extLst>
-          </p:cNvPr>
-          <p:cNvPicPr>
-            <a:picLocks noChangeAspect="1"/>
-          </p:cNvPicPr>
-          <p:nvPr userDrawn="1"/>
-        </p:nvPicPr>
-        <p:blipFill>
-          <a:blip r:embed="rId5"/>
-          <a:stretch>
-            <a:fillRect/>
-          </a:stretch>
-        </p:blipFill>
-        <p:spPr>
-          <a:xfrm>
-            <a:off x="7846898" y="5702754"/>
-            <a:ext cx="1582743" cy="586201"/>
-          </a:xfrm>
-          <a:prstGeom prst="rect">
-            <a:avLst/>
-          </a:prstGeom>
-        </p:spPr>
-      </p:pic>
-      <p:pic>
-        <p:nvPicPr>
-          <p:cNvPr id="25" name="Imagen 24">
-            <a:extLst>
-              <a:ext uri="{FF2B5EF4-FFF2-40B4-BE49-F238E27FC236}">
-                <a16:creationId xmlns:a16="http://schemas.microsoft.com/office/drawing/2014/main" id="{C690D32E-0505-4185-A9FC-3FE712CB84E5}"/>
-              </a:ext>
-            </a:extLst>
-          </p:cNvPr>
-          <p:cNvPicPr>
-            <a:picLocks noChangeAspect="1"/>
-          </p:cNvPicPr>
-          <p:nvPr userDrawn="1"/>
-        </p:nvPicPr>
-        <p:blipFill>
-          <a:blip r:embed="rId6"/>
-          <a:stretch>
-            <a:fillRect/>
-          </a:stretch>
-        </p:blipFill>
-        <p:spPr>
-          <a:xfrm>
-            <a:off x="5712628" y="5806912"/>
-            <a:ext cx="1626537" cy="560747"/>
-          </a:xfrm>
-          <a:prstGeom prst="rect">
-            <a:avLst/>
-          </a:prstGeom>
-        </p:spPr>
-      </p:pic>
       <p:graphicFrame>
         <p:nvGraphicFramePr>
           <p:cNvPr id="28" name="Objeto 27">
@@ -1570,12 +1450,12 @@
           <a:graphicData uri="http://schemas.openxmlformats.org/presentationml/2006/ole">
             <mc:AlternateContent xmlns:mc="http://schemas.openxmlformats.org/markup-compatibility/2006">
               <mc:Choice xmlns:v="urn:schemas-microsoft-com:vml" Requires="v">
-                <p:oleObj spid="_x0000_s11282" name="CorelDRAW" r:id="rId7" imgW="10437565" imgH="1396161" progId="CorelDraw.Graphic.21">
+                <p:oleObj name="CorelDRAW" r:id="rId2" imgW="10437565" imgH="1396161" progId="CorelDraw.Graphic.21">
                   <p:embed/>
                 </p:oleObj>
               </mc:Choice>
               <mc:Fallback>
-                <p:oleObj name="CorelDRAW" r:id="rId7" imgW="10437565" imgH="1396161" progId="CorelDraw.Graphic.21">
+                <p:oleObj name="CorelDRAW" r:id="rId2" imgW="10437565" imgH="1396161" progId="CorelDraw.Graphic.21">
                   <p:embed/>
                   <p:pic>
                     <p:nvPicPr>
@@ -1590,7 +1470,7 @@
                       <p:nvPr/>
                     </p:nvPicPr>
                     <p:blipFill>
-                      <a:blip r:embed="rId8"/>
+                      <a:blip r:embed="rId3"/>
                       <a:stretch>
                         <a:fillRect/>
                       </a:stretch>
@@ -1611,186 +1491,6 @@
           </a:graphicData>
         </a:graphic>
       </p:graphicFrame>
-      <p:pic>
-        <p:nvPicPr>
-          <p:cNvPr id="20" name="Imagen 19">
-            <a:extLst>
-              <a:ext uri="{FF2B5EF4-FFF2-40B4-BE49-F238E27FC236}">
-                <a16:creationId xmlns:a16="http://schemas.microsoft.com/office/drawing/2014/main" id="{98E283D3-B5CD-40E1-A09C-C2F6C18E8A76}"/>
-              </a:ext>
-            </a:extLst>
-          </p:cNvPr>
-          <p:cNvPicPr>
-            <a:picLocks noChangeAspect="1"/>
-          </p:cNvPicPr>
-          <p:nvPr userDrawn="1"/>
-        </p:nvPicPr>
-        <p:blipFill>
-          <a:blip r:embed="rId9"/>
-          <a:stretch>
-            <a:fillRect/>
-          </a:stretch>
-        </p:blipFill>
-        <p:spPr>
-          <a:xfrm>
-            <a:off x="9937374" y="5707327"/>
-            <a:ext cx="1582743" cy="654928"/>
-          </a:xfrm>
-          <a:prstGeom prst="rect">
-            <a:avLst/>
-          </a:prstGeom>
-        </p:spPr>
-      </p:pic>
-      <p:pic>
-        <p:nvPicPr>
-          <p:cNvPr id="22" name="Imagen 21">
-            <a:extLst>
-              <a:ext uri="{FF2B5EF4-FFF2-40B4-BE49-F238E27FC236}">
-                <a16:creationId xmlns:a16="http://schemas.microsoft.com/office/drawing/2014/main" id="{EB90AF3C-936D-4D44-BFFA-A635C3D9EC15}"/>
-              </a:ext>
-            </a:extLst>
-          </p:cNvPr>
-          <p:cNvPicPr>
-            <a:picLocks noChangeAspect="1"/>
-          </p:cNvPicPr>
-          <p:nvPr userDrawn="1"/>
-        </p:nvPicPr>
-        <p:blipFill>
-          <a:blip r:embed="rId10"/>
-          <a:stretch>
-            <a:fillRect/>
-          </a:stretch>
-        </p:blipFill>
-        <p:spPr>
-          <a:xfrm>
-            <a:off x="722025" y="5136380"/>
-            <a:ext cx="2015855" cy="620263"/>
-          </a:xfrm>
-          <a:prstGeom prst="rect">
-            <a:avLst/>
-          </a:prstGeom>
-        </p:spPr>
-      </p:pic>
-      <p:pic>
-        <p:nvPicPr>
-          <p:cNvPr id="24" name="Imagen 23">
-            <a:extLst>
-              <a:ext uri="{FF2B5EF4-FFF2-40B4-BE49-F238E27FC236}">
-                <a16:creationId xmlns:a16="http://schemas.microsoft.com/office/drawing/2014/main" id="{9A581694-116D-4273-8957-E6C28A72B8B6}"/>
-              </a:ext>
-            </a:extLst>
-          </p:cNvPr>
-          <p:cNvPicPr>
-            <a:picLocks noChangeAspect="1"/>
-          </p:cNvPicPr>
-          <p:nvPr userDrawn="1"/>
-        </p:nvPicPr>
-        <p:blipFill>
-          <a:blip r:embed="rId11"/>
-          <a:stretch>
-            <a:fillRect/>
-          </a:stretch>
-        </p:blipFill>
-        <p:spPr>
-          <a:xfrm>
-            <a:off x="3123589" y="5173197"/>
-            <a:ext cx="2144054" cy="560669"/>
-          </a:xfrm>
-          <a:prstGeom prst="rect">
-            <a:avLst/>
-          </a:prstGeom>
-        </p:spPr>
-      </p:pic>
-      <p:pic>
-        <p:nvPicPr>
-          <p:cNvPr id="26" name="Imagen 25">
-            <a:extLst>
-              <a:ext uri="{FF2B5EF4-FFF2-40B4-BE49-F238E27FC236}">
-                <a16:creationId xmlns:a16="http://schemas.microsoft.com/office/drawing/2014/main" id="{5E015451-231A-4C28-BCF7-34141037A2EC}"/>
-              </a:ext>
-            </a:extLst>
-          </p:cNvPr>
-          <p:cNvPicPr>
-            <a:picLocks noChangeAspect="1"/>
-          </p:cNvPicPr>
-          <p:nvPr userDrawn="1"/>
-        </p:nvPicPr>
-        <p:blipFill>
-          <a:blip r:embed="rId12"/>
-          <a:stretch>
-            <a:fillRect/>
-          </a:stretch>
-        </p:blipFill>
-        <p:spPr>
-          <a:xfrm>
-            <a:off x="3167660" y="5817473"/>
-            <a:ext cx="1905154" cy="586201"/>
-          </a:xfrm>
-          <a:prstGeom prst="rect">
-            <a:avLst/>
-          </a:prstGeom>
-        </p:spPr>
-      </p:pic>
-      <p:pic>
-        <p:nvPicPr>
-          <p:cNvPr id="33" name="Imagen 32">
-            <a:extLst>
-              <a:ext uri="{FF2B5EF4-FFF2-40B4-BE49-F238E27FC236}">
-                <a16:creationId xmlns:a16="http://schemas.microsoft.com/office/drawing/2014/main" id="{13444165-BAE5-4873-BF7F-7492191AA9F3}"/>
-              </a:ext>
-            </a:extLst>
-          </p:cNvPr>
-          <p:cNvPicPr>
-            <a:picLocks noChangeAspect="1"/>
-          </p:cNvPicPr>
-          <p:nvPr userDrawn="1"/>
-        </p:nvPicPr>
-        <p:blipFill>
-          <a:blip r:embed="rId13"/>
-          <a:stretch>
-            <a:fillRect/>
-          </a:stretch>
-        </p:blipFill>
-        <p:spPr>
-          <a:xfrm>
-            <a:off x="861641" y="5880912"/>
-            <a:ext cx="1800350" cy="409170"/>
-          </a:xfrm>
-          <a:prstGeom prst="rect">
-            <a:avLst/>
-          </a:prstGeom>
-        </p:spPr>
-      </p:pic>
-      <p:pic>
-        <p:nvPicPr>
-          <p:cNvPr id="34" name="Imagen 33">
-            <a:extLst>
-              <a:ext uri="{FF2B5EF4-FFF2-40B4-BE49-F238E27FC236}">
-                <a16:creationId xmlns:a16="http://schemas.microsoft.com/office/drawing/2014/main" id="{F72876E5-7925-4FD2-9DA0-8FCB7123AE45}"/>
-              </a:ext>
-            </a:extLst>
-          </p:cNvPr>
-          <p:cNvPicPr>
-            <a:picLocks noChangeAspect="1"/>
-          </p:cNvPicPr>
-          <p:nvPr userDrawn="1"/>
-        </p:nvPicPr>
-        <p:blipFill>
-          <a:blip r:embed="rId14"/>
-          <a:stretch>
-            <a:fillRect/>
-          </a:stretch>
-        </p:blipFill>
-        <p:spPr>
-          <a:xfrm>
-            <a:off x="7846898" y="5010780"/>
-            <a:ext cx="1621372" cy="668384"/>
-          </a:xfrm>
-          <a:prstGeom prst="rect">
-            <a:avLst/>
-          </a:prstGeom>
-        </p:spPr>
-      </p:pic>
       <p:sp>
         <p:nvSpPr>
           <p:cNvPr id="47" name="Title 1">
@@ -2041,36 +1741,6 @@
           </a:p>
         </p:txBody>
       </p:sp>
-      <p:pic>
-        <p:nvPicPr>
-          <p:cNvPr id="10" name="Imagen 9">
-            <a:extLst>
-              <a:ext uri="{FF2B5EF4-FFF2-40B4-BE49-F238E27FC236}">
-                <a16:creationId xmlns:a16="http://schemas.microsoft.com/office/drawing/2014/main" id="{9B3858D6-0FF7-4BC1-95DB-AC45D9BD4823}"/>
-              </a:ext>
-            </a:extLst>
-          </p:cNvPr>
-          <p:cNvPicPr>
-            <a:picLocks noChangeAspect="1"/>
-          </p:cNvPicPr>
-          <p:nvPr userDrawn="1"/>
-        </p:nvPicPr>
-        <p:blipFill>
-          <a:blip r:embed="rId15"/>
-          <a:stretch>
-            <a:fillRect/>
-          </a:stretch>
-        </p:blipFill>
-        <p:spPr>
-          <a:xfrm>
-            <a:off x="8358695" y="1056249"/>
-            <a:ext cx="3265871" cy="3265871"/>
-          </a:xfrm>
-          <a:prstGeom prst="rect">
-            <a:avLst/>
-          </a:prstGeom>
-        </p:spPr>
-      </p:pic>
       <p:graphicFrame>
         <p:nvGraphicFramePr>
           <p:cNvPr id="54" name="Objeto 53">
@@ -2099,12 +1769,12 @@
           <a:graphicData uri="http://schemas.openxmlformats.org/presentationml/2006/ole">
             <mc:AlternateContent xmlns:mc="http://schemas.openxmlformats.org/markup-compatibility/2006">
               <mc:Choice xmlns:v="urn:schemas-microsoft-com:vml" Requires="v">
-                <p:oleObj spid="_x0000_s11283" name="CorelDRAW" r:id="rId16" imgW="1486020" imgH="1396161" progId="CorelDraw.Graphic.21">
+                <p:oleObj name="CorelDRAW" r:id="rId4" imgW="1486020" imgH="1396161" progId="CorelDraw.Graphic.21">
                   <p:embed/>
                 </p:oleObj>
               </mc:Choice>
               <mc:Fallback>
-                <p:oleObj name="CorelDRAW" r:id="rId16" imgW="1486020" imgH="1396161" progId="CorelDraw.Graphic.21">
+                <p:oleObj name="CorelDRAW" r:id="rId4" imgW="1486020" imgH="1396161" progId="CorelDraw.Graphic.21">
                   <p:embed/>
                   <p:pic>
                     <p:nvPicPr>
@@ -2119,7 +1789,7 @@
                       <p:nvPr/>
                     </p:nvPicPr>
                     <p:blipFill>
-                      <a:blip r:embed="rId17"/>
+                      <a:blip r:embed="rId5"/>
                       <a:stretch>
                         <a:fillRect/>
                       </a:stretch>
@@ -2168,12 +1838,12 @@
           <a:graphicData uri="http://schemas.openxmlformats.org/presentationml/2006/ole">
             <mc:AlternateContent xmlns:mc="http://schemas.openxmlformats.org/markup-compatibility/2006">
               <mc:Choice xmlns:v="urn:schemas-microsoft-com:vml" Requires="v">
-                <p:oleObj spid="_x0000_s11284" name="CorelDRAW" r:id="rId18" imgW="3857236" imgH="777027" progId="CorelDraw.Graphic.21">
+                <p:oleObj name="CorelDRAW" r:id="rId6" imgW="3857236" imgH="777027" progId="CorelDraw.Graphic.21">
                   <p:embed/>
                 </p:oleObj>
               </mc:Choice>
               <mc:Fallback>
-                <p:oleObj name="CorelDRAW" r:id="rId18" imgW="3857236" imgH="777027" progId="CorelDraw.Graphic.21">
+                <p:oleObj name="CorelDRAW" r:id="rId6" imgW="3857236" imgH="777027" progId="CorelDraw.Graphic.21">
                   <p:embed/>
                   <p:pic>
                     <p:nvPicPr>
@@ -2182,7 +1852,7 @@
                       <p:nvPr/>
                     </p:nvPicPr>
                     <p:blipFill>
-                      <a:blip r:embed="rId19"/>
+                      <a:blip r:embed="rId7"/>
                       <a:stretch>
                         <a:fillRect/>
                       </a:stretch>
@@ -2205,10 +1875,10 @@
       </p:graphicFrame>
       <p:sp>
         <p:nvSpPr>
-          <p:cNvPr id="56" name="Title 1">
+          <p:cNvPr id="27" name="Title 1">
             <a:extLst>
               <a:ext uri="{FF2B5EF4-FFF2-40B4-BE49-F238E27FC236}">
-                <a16:creationId xmlns:a16="http://schemas.microsoft.com/office/drawing/2014/main" id="{8761AF01-7317-4FAE-9A1B-666EB08D523C}"/>
+                <a16:creationId xmlns:a16="http://schemas.microsoft.com/office/drawing/2014/main" id="{00FFBE61-A7AA-4F76-9A71-7602E583648A}"/>
               </a:ext>
             </a:extLst>
           </p:cNvPr>
@@ -2219,8 +1889,8 @@
         </p:nvSpPr>
         <p:spPr>
           <a:xfrm>
-            <a:off x="8399659" y="458678"/>
-            <a:ext cx="3139223" cy="369332"/>
+            <a:off x="8394230" y="472034"/>
+            <a:ext cx="3284341" cy="369332"/>
           </a:xfrm>
           <a:prstGeom prst="rect">
             <a:avLst/>
@@ -2262,11 +1932,368 @@
                   <a:srgbClr val="D6532B"/>
                 </a:solidFill>
               </a:rPr>
-              <a:t>Ayúdanos a mejorar!</a:t>
+              <a:t>#SORTEOCUPON50 🎁</a:t>
             </a:r>
           </a:p>
         </p:txBody>
       </p:sp>
+      <p:sp>
+        <p:nvSpPr>
+          <p:cNvPr id="31" name="Title 1">
+            <a:extLst>
+              <a:ext uri="{FF2B5EF4-FFF2-40B4-BE49-F238E27FC236}">
+                <a16:creationId xmlns:a16="http://schemas.microsoft.com/office/drawing/2014/main" id="{EAABFA71-00CA-4CEA-812B-B1CE26BD02A8}"/>
+              </a:ext>
+            </a:extLst>
+          </p:cNvPr>
+          <p:cNvSpPr txBox="1">
+            <a:spLocks/>
+          </p:cNvSpPr>
+          <p:nvPr userDrawn="1"/>
+        </p:nvSpPr>
+        <p:spPr>
+          <a:xfrm>
+            <a:off x="5265547" y="3808515"/>
+            <a:ext cx="2401780" cy="553998"/>
+          </a:xfrm>
+          <a:prstGeom prst="rect">
+            <a:avLst/>
+          </a:prstGeom>
+          <a:noFill/>
+        </p:spPr>
+        <p:txBody>
+          <a:bodyPr vert="horz" wrap="square" lIns="0" tIns="0" rIns="0" bIns="0" rtlCol="0" anchor="b" anchorCtr="0">
+            <a:spAutoFit/>
+          </a:bodyPr>
+          <a:lstStyle>
+            <a:lvl1pPr algn="l" defTabSz="932742" rtl="0" eaLnBrk="1" latinLnBrk="0" hangingPunct="1">
+              <a:lnSpc>
+                <a:spcPct val="100000"/>
+              </a:lnSpc>
+              <a:spcBef>
+                <a:spcPct val="0"/>
+              </a:spcBef>
+              <a:buNone/>
+              <a:defRPr lang="en-US" sz="2800" b="1" kern="1200" cap="none" spc="-50" baseline="0">
+                <a:ln w="3175">
+                  <a:noFill/>
+                </a:ln>
+                <a:solidFill>
+                  <a:srgbClr val="D6532B"/>
+                </a:solidFill>
+                <a:effectLst/>
+                <a:latin typeface="Quicksand" pitchFamily="2" charset="0"/>
+                <a:ea typeface="+mn-ea"/>
+                <a:cs typeface="Segoe UI" panose="020B0502040204020203" pitchFamily="34" charset="0"/>
+              </a:defRPr>
+            </a:lvl1pPr>
+          </a:lstStyle>
+          <a:p>
+            <a:pPr algn="ctr"/>
+            <a:r>
+              <a:rPr lang="es-ES" sz="1800" b="1" dirty="0">
+                <a:solidFill>
+                  <a:srgbClr val="D6532B"/>
+                </a:solidFill>
+              </a:rPr>
+              <a:t>escanea y participa </a:t>
+            </a:r>
+          </a:p>
+          <a:p>
+            <a:pPr algn="ctr"/>
+            <a:r>
+              <a:rPr lang="es-ES" sz="1800" b="1" dirty="0">
+                <a:solidFill>
+                  <a:srgbClr val="D6532B"/>
+                </a:solidFill>
+              </a:rPr>
+              <a:t>en el sorteo 👉</a:t>
+            </a:r>
+          </a:p>
+        </p:txBody>
+      </p:sp>
+      <p:pic>
+        <p:nvPicPr>
+          <p:cNvPr id="42" name="Imagen 41">
+            <a:extLst>
+              <a:ext uri="{FF2B5EF4-FFF2-40B4-BE49-F238E27FC236}">
+                <a16:creationId xmlns:a16="http://schemas.microsoft.com/office/drawing/2014/main" id="{CFE36E5C-300D-43C3-BE61-452D23910E7A}"/>
+              </a:ext>
+            </a:extLst>
+          </p:cNvPr>
+          <p:cNvPicPr>
+            <a:picLocks noChangeAspect="1"/>
+          </p:cNvPicPr>
+          <p:nvPr userDrawn="1"/>
+        </p:nvPicPr>
+        <p:blipFill>
+          <a:blip r:embed="rId8"/>
+          <a:stretch>
+            <a:fillRect/>
+          </a:stretch>
+        </p:blipFill>
+        <p:spPr>
+          <a:xfrm>
+            <a:off x="6038054" y="5126102"/>
+            <a:ext cx="2243624" cy="690346"/>
+          </a:xfrm>
+          <a:prstGeom prst="rect">
+            <a:avLst/>
+          </a:prstGeom>
+        </p:spPr>
+      </p:pic>
+      <p:pic>
+        <p:nvPicPr>
+          <p:cNvPr id="43" name="Imagen 42">
+            <a:extLst>
+              <a:ext uri="{FF2B5EF4-FFF2-40B4-BE49-F238E27FC236}">
+                <a16:creationId xmlns:a16="http://schemas.microsoft.com/office/drawing/2014/main" id="{1E5521AC-4CAB-411F-AC1B-1FC08331F083}"/>
+              </a:ext>
+            </a:extLst>
+          </p:cNvPr>
+          <p:cNvPicPr>
+            <a:picLocks noChangeAspect="1"/>
+          </p:cNvPicPr>
+          <p:nvPr userDrawn="1"/>
+        </p:nvPicPr>
+        <p:blipFill>
+          <a:blip r:embed="rId9"/>
+          <a:stretch>
+            <a:fillRect/>
+          </a:stretch>
+        </p:blipFill>
+        <p:spPr>
+          <a:xfrm>
+            <a:off x="8539558" y="5733198"/>
+            <a:ext cx="1582743" cy="586201"/>
+          </a:xfrm>
+          <a:prstGeom prst="rect">
+            <a:avLst/>
+          </a:prstGeom>
+        </p:spPr>
+      </p:pic>
+      <p:pic>
+        <p:nvPicPr>
+          <p:cNvPr id="44" name="Imagen 43">
+            <a:extLst>
+              <a:ext uri="{FF2B5EF4-FFF2-40B4-BE49-F238E27FC236}">
+                <a16:creationId xmlns:a16="http://schemas.microsoft.com/office/drawing/2014/main" id="{11316E2E-3D77-4C04-B311-6A3BC810876B}"/>
+              </a:ext>
+            </a:extLst>
+          </p:cNvPr>
+          <p:cNvPicPr>
+            <a:picLocks noChangeAspect="1"/>
+          </p:cNvPicPr>
+          <p:nvPr userDrawn="1"/>
+        </p:nvPicPr>
+        <p:blipFill>
+          <a:blip r:embed="rId10"/>
+          <a:stretch>
+            <a:fillRect/>
+          </a:stretch>
+        </p:blipFill>
+        <p:spPr>
+          <a:xfrm>
+            <a:off x="1494915" y="5537785"/>
+            <a:ext cx="2015855" cy="620263"/>
+          </a:xfrm>
+          <a:prstGeom prst="rect">
+            <a:avLst/>
+          </a:prstGeom>
+        </p:spPr>
+      </p:pic>
+      <p:pic>
+        <p:nvPicPr>
+          <p:cNvPr id="45" name="Imagen 44">
+            <a:extLst>
+              <a:ext uri="{FF2B5EF4-FFF2-40B4-BE49-F238E27FC236}">
+                <a16:creationId xmlns:a16="http://schemas.microsoft.com/office/drawing/2014/main" id="{27698EF9-7487-44AD-80EC-BF4C4D09A750}"/>
+              </a:ext>
+            </a:extLst>
+          </p:cNvPr>
+          <p:cNvPicPr>
+            <a:picLocks noChangeAspect="1"/>
+          </p:cNvPicPr>
+          <p:nvPr userDrawn="1"/>
+        </p:nvPicPr>
+        <p:blipFill>
+          <a:blip r:embed="rId11"/>
+          <a:stretch>
+            <a:fillRect/>
+          </a:stretch>
+        </p:blipFill>
+        <p:spPr>
+          <a:xfrm>
+            <a:off x="3816249" y="5203641"/>
+            <a:ext cx="2144054" cy="560669"/>
+          </a:xfrm>
+          <a:prstGeom prst="rect">
+            <a:avLst/>
+          </a:prstGeom>
+        </p:spPr>
+      </p:pic>
+      <p:pic>
+        <p:nvPicPr>
+          <p:cNvPr id="46" name="Imagen 45">
+            <a:extLst>
+              <a:ext uri="{FF2B5EF4-FFF2-40B4-BE49-F238E27FC236}">
+                <a16:creationId xmlns:a16="http://schemas.microsoft.com/office/drawing/2014/main" id="{6F0DF829-9E01-4878-8C8F-E8F7AD4159ED}"/>
+              </a:ext>
+            </a:extLst>
+          </p:cNvPr>
+          <p:cNvPicPr>
+            <a:picLocks noChangeAspect="1"/>
+          </p:cNvPicPr>
+          <p:nvPr userDrawn="1"/>
+        </p:nvPicPr>
+        <p:blipFill>
+          <a:blip r:embed="rId12"/>
+          <a:stretch>
+            <a:fillRect/>
+          </a:stretch>
+        </p:blipFill>
+        <p:spPr>
+          <a:xfrm>
+            <a:off x="3860320" y="5847917"/>
+            <a:ext cx="1905154" cy="586201"/>
+          </a:xfrm>
+          <a:prstGeom prst="rect">
+            <a:avLst/>
+          </a:prstGeom>
+        </p:spPr>
+      </p:pic>
+      <p:pic>
+        <p:nvPicPr>
+          <p:cNvPr id="52" name="Imagen 51">
+            <a:extLst>
+              <a:ext uri="{FF2B5EF4-FFF2-40B4-BE49-F238E27FC236}">
+                <a16:creationId xmlns:a16="http://schemas.microsoft.com/office/drawing/2014/main" id="{999BD06F-0AD4-4E45-B274-E87BA24F79BC}"/>
+              </a:ext>
+            </a:extLst>
+          </p:cNvPr>
+          <p:cNvPicPr>
+            <a:picLocks noChangeAspect="1"/>
+          </p:cNvPicPr>
+          <p:nvPr userDrawn="1"/>
+        </p:nvPicPr>
+        <p:blipFill>
+          <a:blip r:embed="rId13"/>
+          <a:stretch>
+            <a:fillRect/>
+          </a:stretch>
+        </p:blipFill>
+        <p:spPr>
+          <a:xfrm>
+            <a:off x="6259691" y="5936432"/>
+            <a:ext cx="1800350" cy="409170"/>
+          </a:xfrm>
+          <a:prstGeom prst="rect">
+            <a:avLst/>
+          </a:prstGeom>
+        </p:spPr>
+      </p:pic>
+      <p:pic>
+        <p:nvPicPr>
+          <p:cNvPr id="53" name="Imagen 52">
+            <a:extLst>
+              <a:ext uri="{FF2B5EF4-FFF2-40B4-BE49-F238E27FC236}">
+                <a16:creationId xmlns:a16="http://schemas.microsoft.com/office/drawing/2014/main" id="{B732E62D-65E0-4AF3-9F73-267A09BF660E}"/>
+              </a:ext>
+            </a:extLst>
+          </p:cNvPr>
+          <p:cNvPicPr>
+            <a:picLocks noChangeAspect="1"/>
+          </p:cNvPicPr>
+          <p:nvPr userDrawn="1"/>
+        </p:nvPicPr>
+        <p:blipFill>
+          <a:blip r:embed="rId14"/>
+          <a:stretch>
+            <a:fillRect/>
+          </a:stretch>
+        </p:blipFill>
+        <p:spPr>
+          <a:xfrm>
+            <a:off x="8411164" y="5047695"/>
+            <a:ext cx="1839530" cy="567666"/>
+          </a:xfrm>
+          <a:prstGeom prst="rect">
+            <a:avLst/>
+          </a:prstGeom>
+        </p:spPr>
+      </p:pic>
+      <p:pic>
+        <p:nvPicPr>
+          <p:cNvPr id="55" name="Gráfico 54">
+            <a:extLst>
+              <a:ext uri="{FF2B5EF4-FFF2-40B4-BE49-F238E27FC236}">
+                <a16:creationId xmlns:a16="http://schemas.microsoft.com/office/drawing/2014/main" id="{E949A2B4-FA81-4A1D-BEDE-D8A40B6D80F8}"/>
+              </a:ext>
+            </a:extLst>
+          </p:cNvPr>
+          <p:cNvPicPr>
+            <a:picLocks noChangeAspect="1"/>
+          </p:cNvPicPr>
+          <p:nvPr userDrawn="1"/>
+        </p:nvPicPr>
+        <p:blipFill>
+          <a:blip r:embed="rId15">
+            <a:extLst>
+              <a:ext uri="{96DAC541-7B7A-43D3-8B79-37D633B846F1}">
+                <asvg:svgBlip xmlns:asvg="http://schemas.microsoft.com/office/drawing/2016/SVG/main" r:embed="rId16"/>
+              </a:ext>
+            </a:extLst>
+          </a:blip>
+          <a:stretch>
+            <a:fillRect/>
+          </a:stretch>
+        </p:blipFill>
+        <p:spPr>
+          <a:xfrm>
+            <a:off x="8302458" y="1133989"/>
+            <a:ext cx="3486412" cy="3486412"/>
+          </a:xfrm>
+          <a:prstGeom prst="rect">
+            <a:avLst/>
+          </a:prstGeom>
+        </p:spPr>
+      </p:pic>
+      <p:pic>
+        <p:nvPicPr>
+          <p:cNvPr id="57" name="Gráfico 56">
+            <a:extLst>
+              <a:ext uri="{FF2B5EF4-FFF2-40B4-BE49-F238E27FC236}">
+                <a16:creationId xmlns:a16="http://schemas.microsoft.com/office/drawing/2014/main" id="{A6EBA835-CB2E-48F1-846C-7A2E7C450D61}"/>
+              </a:ext>
+            </a:extLst>
+          </p:cNvPr>
+          <p:cNvPicPr>
+            <a:picLocks noChangeAspect="1"/>
+          </p:cNvPicPr>
+          <p:nvPr userDrawn="1"/>
+        </p:nvPicPr>
+        <p:blipFill>
+          <a:blip r:embed="rId17">
+            <a:extLst>
+              <a:ext uri="{96DAC541-7B7A-43D3-8B79-37D633B846F1}">
+                <asvg:svgBlip xmlns:asvg="http://schemas.microsoft.com/office/drawing/2016/SVG/main" r:embed="rId18"/>
+              </a:ext>
+            </a:extLst>
+          </a:blip>
+          <a:stretch>
+            <a:fillRect/>
+          </a:stretch>
+        </p:blipFill>
+        <p:spPr>
+          <a:xfrm>
+            <a:off x="5501889" y="2377869"/>
+            <a:ext cx="1851408" cy="1347955"/>
+          </a:xfrm>
+          <a:prstGeom prst="rect">
+            <a:avLst/>
+          </a:prstGeom>
+        </p:spPr>
+      </p:pic>
     </p:spTree>
     <p:extLst>
       <p:ext uri="{BB962C8B-B14F-4D97-AF65-F5344CB8AC3E}">
@@ -2321,6 +2348,26 @@
                                         <p:cTn id="6" dur="20000" fill="hold"/>
                                         <p:tgtEl>
                                           <p:spTgt spid="54"/>
+                                        </p:tgtEl>
+                                        <p:attrNameLst>
+                                          <p:attrName>r</p:attrName>
+                                        </p:attrNameLst>
+                                      </p:cBhvr>
+                                    </p:animRot>
+                                  </p:childTnLst>
+                                </p:cTn>
+                              </p:par>
+                              <p:par>
+                                <p:cTn id="7" presetID="8" presetClass="emph" presetSubtype="0" repeatCount="indefinite" accel="33333" decel="33333" fill="hold" nodeType="withEffect">
+                                  <p:stCondLst>
+                                    <p:cond delay="0"/>
+                                  </p:stCondLst>
+                                  <p:childTnLst>
+                                    <p:animRot by="21600000">
+                                      <p:cBhvr>
+                                        <p:cTn id="8" dur="3000" fill="hold"/>
+                                        <p:tgtEl>
+                                          <p:spTgt spid="57"/>
                                         </p:tgtEl>
                                         <p:attrNameLst>
                                           <p:attrName>r</p:attrName>
@@ -13839,12 +13886,12 @@
           <a:graphicData uri="http://schemas.openxmlformats.org/presentationml/2006/ole">
             <mc:AlternateContent xmlns:mc="http://schemas.openxmlformats.org/markup-compatibility/2006">
               <mc:Choice xmlns:v="urn:schemas-microsoft-com:vml" Requires="v">
-                <p:oleObj spid="_x0000_s4153" name="CorelDRAW" r:id="rId3" imgW="1486020" imgH="1396161" progId="CorelDraw.Graphic.21">
+                <p:oleObj name="CorelDRAW" r:id="rId2" imgW="1486020" imgH="1396161" progId="CorelDraw.Graphic.21">
                   <p:embed/>
                 </p:oleObj>
               </mc:Choice>
               <mc:Fallback>
-                <p:oleObj name="CorelDRAW" r:id="rId3" imgW="1486020" imgH="1396161" progId="CorelDraw.Graphic.21">
+                <p:oleObj name="CorelDRAW" r:id="rId2" imgW="1486020" imgH="1396161" progId="CorelDraw.Graphic.21">
                   <p:embed/>
                   <p:pic>
                     <p:nvPicPr>
@@ -13859,7 +13906,7 @@
                       <p:nvPr/>
                     </p:nvPicPr>
                     <p:blipFill>
-                      <a:blip r:embed="rId4"/>
+                      <a:blip r:embed="rId3"/>
                       <a:stretch>
                         <a:fillRect/>
                       </a:stretch>
@@ -13908,12 +13955,12 @@
           <a:graphicData uri="http://schemas.openxmlformats.org/presentationml/2006/ole">
             <mc:AlternateContent xmlns:mc="http://schemas.openxmlformats.org/markup-compatibility/2006">
               <mc:Choice xmlns:v="urn:schemas-microsoft-com:vml" Requires="v">
-                <p:oleObj spid="_x0000_s4154" name="CorelDRAW" r:id="rId5" imgW="9928182" imgH="1396161" progId="CorelDraw.Graphic.21">
+                <p:oleObj name="CorelDRAW" r:id="rId4" imgW="9928182" imgH="1396161" progId="CorelDraw.Graphic.21">
                   <p:embed/>
                 </p:oleObj>
               </mc:Choice>
               <mc:Fallback>
-                <p:oleObj name="CorelDRAW" r:id="rId5" imgW="9928182" imgH="1396161" progId="CorelDraw.Graphic.21">
+                <p:oleObj name="CorelDRAW" r:id="rId4" imgW="9928182" imgH="1396161" progId="CorelDraw.Graphic.21">
                   <p:embed/>
                   <p:pic>
                     <p:nvPicPr>
@@ -13928,7 +13975,7 @@
                       <p:nvPr/>
                     </p:nvPicPr>
                     <p:blipFill>
-                      <a:blip r:embed="rId6"/>
+                      <a:blip r:embed="rId5"/>
                       <a:stretch>
                         <a:fillRect/>
                       </a:stretch>
@@ -21474,12 +21521,12 @@
           <a:graphicData uri="http://schemas.openxmlformats.org/presentationml/2006/ole">
             <mc:AlternateContent xmlns:mc="http://schemas.openxmlformats.org/markup-compatibility/2006">
               <mc:Choice xmlns:v="urn:schemas-microsoft-com:vml" Requires="v">
-                <p:oleObj spid="_x0000_s9234" name="CorelDRAW" r:id="rId3" imgW="1486020" imgH="1396161" progId="CorelDraw.Graphic.21">
+                <p:oleObj name="CorelDRAW" r:id="rId2" imgW="1486020" imgH="1396161" progId="CorelDraw.Graphic.21">
                   <p:embed/>
                 </p:oleObj>
               </mc:Choice>
               <mc:Fallback>
-                <p:oleObj name="CorelDRAW" r:id="rId3" imgW="1486020" imgH="1396161" progId="CorelDraw.Graphic.21">
+                <p:oleObj name="CorelDRAW" r:id="rId2" imgW="1486020" imgH="1396161" progId="CorelDraw.Graphic.21">
                   <p:embed/>
                   <p:pic>
                     <p:nvPicPr>
@@ -21494,7 +21541,7 @@
                       <p:nvPr/>
                     </p:nvPicPr>
                     <p:blipFill>
-                      <a:blip r:embed="rId4"/>
+                      <a:blip r:embed="rId3"/>
                       <a:stretch>
                         <a:fillRect/>
                       </a:stretch>
@@ -21543,12 +21590,12 @@
           <a:graphicData uri="http://schemas.openxmlformats.org/presentationml/2006/ole">
             <mc:AlternateContent xmlns:mc="http://schemas.openxmlformats.org/markup-compatibility/2006">
               <mc:Choice xmlns:v="urn:schemas-microsoft-com:vml" Requires="v">
-                <p:oleObj spid="_x0000_s9235" name="CorelDRAW" r:id="rId5" imgW="9928182" imgH="1396161" progId="CorelDraw.Graphic.21">
+                <p:oleObj name="CorelDRAW" r:id="rId4" imgW="9928182" imgH="1396161" progId="CorelDraw.Graphic.21">
                   <p:embed/>
                 </p:oleObj>
               </mc:Choice>
               <mc:Fallback>
-                <p:oleObj name="CorelDRAW" r:id="rId5" imgW="9928182" imgH="1396161" progId="CorelDraw.Graphic.21">
+                <p:oleObj name="CorelDRAW" r:id="rId4" imgW="9928182" imgH="1396161" progId="CorelDraw.Graphic.21">
                   <p:embed/>
                   <p:pic>
                     <p:nvPicPr>
@@ -21563,7 +21610,7 @@
                       <p:nvPr/>
                     </p:nvPicPr>
                     <p:blipFill>
-                      <a:blip r:embed="rId6"/>
+                      <a:blip r:embed="rId5"/>
                       <a:stretch>
                         <a:fillRect/>
                       </a:stretch>
@@ -25311,12 +25358,12 @@
           <a:graphicData uri="http://schemas.openxmlformats.org/presentationml/2006/ole">
             <mc:AlternateContent xmlns:mc="http://schemas.openxmlformats.org/markup-compatibility/2006">
               <mc:Choice xmlns:v="urn:schemas-microsoft-com:vml" Requires="v">
-                <p:oleObj spid="_x0000_s7228" name="CorelDRAW" r:id="rId3" imgW="1486020" imgH="1396161" progId="CorelDraw.Graphic.21">
+                <p:oleObj name="CorelDRAW" r:id="rId2" imgW="1486020" imgH="1396161" progId="CorelDraw.Graphic.21">
                   <p:embed/>
                 </p:oleObj>
               </mc:Choice>
               <mc:Fallback>
-                <p:oleObj name="CorelDRAW" r:id="rId3" imgW="1486020" imgH="1396161" progId="CorelDraw.Graphic.21">
+                <p:oleObj name="CorelDRAW" r:id="rId2" imgW="1486020" imgH="1396161" progId="CorelDraw.Graphic.21">
                   <p:embed/>
                   <p:pic>
                     <p:nvPicPr>
@@ -25331,7 +25378,7 @@
                       <p:nvPr/>
                     </p:nvPicPr>
                     <p:blipFill>
-                      <a:blip r:embed="rId4"/>
+                      <a:blip r:embed="rId3"/>
                       <a:stretch>
                         <a:fillRect/>
                       </a:stretch>
@@ -25367,7 +25414,7 @@
           <p:nvPr userDrawn="1"/>
         </p:nvPicPr>
         <p:blipFill>
-          <a:blip r:embed="rId5"/>
+          <a:blip r:embed="rId4"/>
           <a:stretch>
             <a:fillRect/>
           </a:stretch>
@@ -25376,126 +25423,6 @@
           <a:xfrm>
             <a:off x="4851400" y="504430"/>
             <a:ext cx="2517290" cy="545463"/>
-          </a:xfrm>
-          <a:prstGeom prst="rect">
-            <a:avLst/>
-          </a:prstGeom>
-        </p:spPr>
-      </p:pic>
-      <p:pic>
-        <p:nvPicPr>
-          <p:cNvPr id="5" name="Imagen 4">
-            <a:extLst>
-              <a:ext uri="{FF2B5EF4-FFF2-40B4-BE49-F238E27FC236}">
-                <a16:creationId xmlns:a16="http://schemas.microsoft.com/office/drawing/2014/main" id="{E7846672-14B7-4DA0-BE43-CF16928D38A3}"/>
-              </a:ext>
-            </a:extLst>
-          </p:cNvPr>
-          <p:cNvPicPr>
-            <a:picLocks noChangeAspect="1"/>
-          </p:cNvPicPr>
-          <p:nvPr userDrawn="1"/>
-        </p:nvPicPr>
-        <p:blipFill>
-          <a:blip r:embed="rId6"/>
-          <a:stretch>
-            <a:fillRect/>
-          </a:stretch>
-        </p:blipFill>
-        <p:spPr>
-          <a:xfrm>
-            <a:off x="439336" y="3998254"/>
-            <a:ext cx="3299139" cy="1015120"/>
-          </a:xfrm>
-          <a:prstGeom prst="rect">
-            <a:avLst/>
-          </a:prstGeom>
-        </p:spPr>
-      </p:pic>
-      <p:pic>
-        <p:nvPicPr>
-          <p:cNvPr id="21" name="Imagen 20">
-            <a:extLst>
-              <a:ext uri="{FF2B5EF4-FFF2-40B4-BE49-F238E27FC236}">
-                <a16:creationId xmlns:a16="http://schemas.microsoft.com/office/drawing/2014/main" id="{EA47249B-0A00-4EC9-853D-FB22115FF5E0}"/>
-              </a:ext>
-            </a:extLst>
-          </p:cNvPr>
-          <p:cNvPicPr>
-            <a:picLocks noChangeAspect="1"/>
-          </p:cNvPicPr>
-          <p:nvPr userDrawn="1"/>
-        </p:nvPicPr>
-        <p:blipFill>
-          <a:blip r:embed="rId7"/>
-          <a:stretch>
-            <a:fillRect/>
-          </a:stretch>
-        </p:blipFill>
-        <p:spPr>
-          <a:xfrm>
-            <a:off x="794854" y="1381235"/>
-            <a:ext cx="2508794" cy="1254397"/>
-          </a:xfrm>
-          <a:prstGeom prst="rect">
-            <a:avLst/>
-          </a:prstGeom>
-        </p:spPr>
-      </p:pic>
-      <p:pic>
-        <p:nvPicPr>
-          <p:cNvPr id="23" name="Imagen 22">
-            <a:extLst>
-              <a:ext uri="{FF2B5EF4-FFF2-40B4-BE49-F238E27FC236}">
-                <a16:creationId xmlns:a16="http://schemas.microsoft.com/office/drawing/2014/main" id="{62792325-A6A2-4C4C-A58F-0C4A98B04D25}"/>
-              </a:ext>
-            </a:extLst>
-          </p:cNvPr>
-          <p:cNvPicPr>
-            <a:picLocks noChangeAspect="1"/>
-          </p:cNvPicPr>
-          <p:nvPr userDrawn="1"/>
-        </p:nvPicPr>
-        <p:blipFill>
-          <a:blip r:embed="rId8"/>
-          <a:stretch>
-            <a:fillRect/>
-          </a:stretch>
-        </p:blipFill>
-        <p:spPr>
-          <a:xfrm>
-            <a:off x="989844" y="5106959"/>
-            <a:ext cx="2327347" cy="861980"/>
-          </a:xfrm>
-          <a:prstGeom prst="rect">
-            <a:avLst/>
-          </a:prstGeom>
-        </p:spPr>
-      </p:pic>
-      <p:pic>
-        <p:nvPicPr>
-          <p:cNvPr id="25" name="Imagen 24">
-            <a:extLst>
-              <a:ext uri="{FF2B5EF4-FFF2-40B4-BE49-F238E27FC236}">
-                <a16:creationId xmlns:a16="http://schemas.microsoft.com/office/drawing/2014/main" id="{C690D32E-0505-4185-A9FC-3FE712CB84E5}"/>
-              </a:ext>
-            </a:extLst>
-          </p:cNvPr>
-          <p:cNvPicPr>
-            <a:picLocks noChangeAspect="1"/>
-          </p:cNvPicPr>
-          <p:nvPr userDrawn="1"/>
-        </p:nvPicPr>
-        <p:blipFill>
-          <a:blip r:embed="rId9"/>
-          <a:stretch>
-            <a:fillRect/>
-          </a:stretch>
-        </p:blipFill>
-        <p:spPr>
-          <a:xfrm>
-            <a:off x="893033" y="2976976"/>
-            <a:ext cx="2391743" cy="824551"/>
           </a:xfrm>
           <a:prstGeom prst="rect">
             <a:avLst/>
@@ -25530,12 +25457,12 @@
           <a:graphicData uri="http://schemas.openxmlformats.org/presentationml/2006/ole">
             <mc:AlternateContent xmlns:mc="http://schemas.openxmlformats.org/markup-compatibility/2006">
               <mc:Choice xmlns:v="urn:schemas-microsoft-com:vml" Requires="v">
-                <p:oleObj spid="_x0000_s7229" name="CorelDRAW" r:id="rId10" imgW="10437565" imgH="1396161" progId="CorelDraw.Graphic.21">
+                <p:oleObj name="CorelDRAW" r:id="rId5" imgW="10437565" imgH="1396161" progId="CorelDraw.Graphic.21">
                   <p:embed/>
                 </p:oleObj>
               </mc:Choice>
               <mc:Fallback>
-                <p:oleObj name="CorelDRAW" r:id="rId10" imgW="10437565" imgH="1396161" progId="CorelDraw.Graphic.21">
+                <p:oleObj name="CorelDRAW" r:id="rId5" imgW="10437565" imgH="1396161" progId="CorelDraw.Graphic.21">
                   <p:embed/>
                   <p:pic>
                     <p:nvPicPr>
@@ -25550,7 +25477,7 @@
                       <p:nvPr/>
                     </p:nvPicPr>
                     <p:blipFill>
-                      <a:blip r:embed="rId11"/>
+                      <a:blip r:embed="rId6"/>
                       <a:stretch>
                         <a:fillRect/>
                       </a:stretch>
@@ -25599,12 +25526,12 @@
           <a:graphicData uri="http://schemas.openxmlformats.org/presentationml/2006/ole">
             <mc:AlternateContent xmlns:mc="http://schemas.openxmlformats.org/markup-compatibility/2006">
               <mc:Choice xmlns:v="urn:schemas-microsoft-com:vml" Requires="v">
-                <p:oleObj spid="_x0000_s7230" name="CorelDRAW" r:id="rId12" imgW="9928182" imgH="1396161" progId="CorelDraw.Graphic.21">
+                <p:oleObj name="CorelDRAW" r:id="rId7" imgW="9928182" imgH="1396161" progId="CorelDraw.Graphic.21">
                   <p:embed/>
                 </p:oleObj>
               </mc:Choice>
               <mc:Fallback>
-                <p:oleObj name="CorelDRAW" r:id="rId12" imgW="9928182" imgH="1396161" progId="CorelDraw.Graphic.21">
+                <p:oleObj name="CorelDRAW" r:id="rId7" imgW="9928182" imgH="1396161" progId="CorelDraw.Graphic.21">
                   <p:embed/>
                   <p:pic>
                     <p:nvPicPr>
@@ -25619,7 +25546,7 @@
                       <p:nvPr/>
                     </p:nvPicPr>
                     <p:blipFill>
-                      <a:blip r:embed="rId13"/>
+                      <a:blip r:embed="rId8"/>
                       <a:stretch>
                         <a:fillRect/>
                       </a:stretch>
@@ -25642,10 +25569,10 @@
       </p:graphicFrame>
       <p:pic>
         <p:nvPicPr>
-          <p:cNvPr id="18" name="Imagen 17">
+          <p:cNvPr id="27" name="Imagen 26">
             <a:extLst>
               <a:ext uri="{FF2B5EF4-FFF2-40B4-BE49-F238E27FC236}">
-                <a16:creationId xmlns:a16="http://schemas.microsoft.com/office/drawing/2014/main" id="{9B6F9D78-C58E-4D1B-A392-3D34DAA2B8B8}"/>
+                <a16:creationId xmlns:a16="http://schemas.microsoft.com/office/drawing/2014/main" id="{00C8D22B-6FB1-44B3-9B2A-665925B181E4}"/>
               </a:ext>
             </a:extLst>
           </p:cNvPr>
@@ -25655,14 +25582,14 @@
           <p:nvPr userDrawn="1"/>
         </p:nvPicPr>
         <p:blipFill>
-          <a:blip r:embed="rId6"/>
+          <a:blip r:embed="rId9"/>
           <a:stretch>
             <a:fillRect/>
           </a:stretch>
         </p:blipFill>
         <p:spPr>
           <a:xfrm>
-            <a:off x="439336" y="3998254"/>
+            <a:off x="501323" y="5106327"/>
             <a:ext cx="3299139" cy="1015120"/>
           </a:xfrm>
           <a:prstGeom prst="rect">
@@ -25672,10 +25599,130 @@
       </p:pic>
       <p:pic>
         <p:nvPicPr>
-          <p:cNvPr id="20" name="Imagen 19">
+          <p:cNvPr id="35" name="Imagen 34">
             <a:extLst>
               <a:ext uri="{FF2B5EF4-FFF2-40B4-BE49-F238E27FC236}">
-                <a16:creationId xmlns:a16="http://schemas.microsoft.com/office/drawing/2014/main" id="{98E283D3-B5CD-40E1-A09C-C2F6C18E8A76}"/>
+                <a16:creationId xmlns:a16="http://schemas.microsoft.com/office/drawing/2014/main" id="{B20103D2-6A8D-4961-A9FC-C645273D36EA}"/>
+              </a:ext>
+            </a:extLst>
+          </p:cNvPr>
+          <p:cNvPicPr>
+            <a:picLocks noChangeAspect="1"/>
+          </p:cNvPicPr>
+          <p:nvPr userDrawn="1"/>
+        </p:nvPicPr>
+        <p:blipFill>
+          <a:blip r:embed="rId10"/>
+          <a:stretch>
+            <a:fillRect/>
+          </a:stretch>
+        </p:blipFill>
+        <p:spPr>
+          <a:xfrm>
+            <a:off x="4795788" y="2889461"/>
+            <a:ext cx="2964216" cy="912066"/>
+          </a:xfrm>
+          <a:prstGeom prst="rect">
+            <a:avLst/>
+          </a:prstGeom>
+        </p:spPr>
+      </p:pic>
+      <p:pic>
+        <p:nvPicPr>
+          <p:cNvPr id="36" name="Imagen 35">
+            <a:extLst>
+              <a:ext uri="{FF2B5EF4-FFF2-40B4-BE49-F238E27FC236}">
+                <a16:creationId xmlns:a16="http://schemas.microsoft.com/office/drawing/2014/main" id="{06B717A3-D1D7-4E20-8A78-D374F2E8165E}"/>
+              </a:ext>
+            </a:extLst>
+          </p:cNvPr>
+          <p:cNvPicPr>
+            <a:picLocks noChangeAspect="1"/>
+          </p:cNvPicPr>
+          <p:nvPr userDrawn="1"/>
+        </p:nvPicPr>
+        <p:blipFill>
+          <a:blip r:embed="rId11"/>
+          <a:stretch>
+            <a:fillRect/>
+          </a:stretch>
+        </p:blipFill>
+        <p:spPr>
+          <a:xfrm>
+            <a:off x="4770299" y="4103833"/>
+            <a:ext cx="3152727" cy="824437"/>
+          </a:xfrm>
+          <a:prstGeom prst="rect">
+            <a:avLst/>
+          </a:prstGeom>
+        </p:spPr>
+      </p:pic>
+      <p:pic>
+        <p:nvPicPr>
+          <p:cNvPr id="37" name="Imagen 36">
+            <a:extLst>
+              <a:ext uri="{FF2B5EF4-FFF2-40B4-BE49-F238E27FC236}">
+                <a16:creationId xmlns:a16="http://schemas.microsoft.com/office/drawing/2014/main" id="{4F6582C8-181F-45AB-8FDC-D2A5D1DE0868}"/>
+              </a:ext>
+            </a:extLst>
+          </p:cNvPr>
+          <p:cNvPicPr>
+            <a:picLocks noChangeAspect="1"/>
+          </p:cNvPicPr>
+          <p:nvPr userDrawn="1"/>
+        </p:nvPicPr>
+        <p:blipFill>
+          <a:blip r:embed="rId12"/>
+          <a:stretch>
+            <a:fillRect/>
+          </a:stretch>
+        </p:blipFill>
+        <p:spPr>
+          <a:xfrm>
+            <a:off x="8656795" y="4066290"/>
+            <a:ext cx="2801436" cy="861980"/>
+          </a:xfrm>
+          <a:prstGeom prst="rect">
+            <a:avLst/>
+          </a:prstGeom>
+        </p:spPr>
+      </p:pic>
+      <p:pic>
+        <p:nvPicPr>
+          <p:cNvPr id="38" name="Imagen 37">
+            <a:extLst>
+              <a:ext uri="{FF2B5EF4-FFF2-40B4-BE49-F238E27FC236}">
+                <a16:creationId xmlns:a16="http://schemas.microsoft.com/office/drawing/2014/main" id="{6286BA83-1331-4607-A514-6A7126E17B69}"/>
+              </a:ext>
+            </a:extLst>
+          </p:cNvPr>
+          <p:cNvPicPr>
+            <a:picLocks noChangeAspect="1"/>
+          </p:cNvPicPr>
+          <p:nvPr userDrawn="1"/>
+        </p:nvPicPr>
+        <p:blipFill>
+          <a:blip r:embed="rId13"/>
+          <a:stretch>
+            <a:fillRect/>
+          </a:stretch>
+        </p:blipFill>
+        <p:spPr>
+          <a:xfrm>
+            <a:off x="8892861" y="5034166"/>
+            <a:ext cx="2327347" cy="861980"/>
+          </a:xfrm>
+          <a:prstGeom prst="rect">
+            <a:avLst/>
+          </a:prstGeom>
+        </p:spPr>
+      </p:pic>
+      <p:pic>
+        <p:nvPicPr>
+          <p:cNvPr id="39" name="Imagen 38">
+            <a:extLst>
+              <a:ext uri="{FF2B5EF4-FFF2-40B4-BE49-F238E27FC236}">
+                <a16:creationId xmlns:a16="http://schemas.microsoft.com/office/drawing/2014/main" id="{C38881CE-ACE0-4F86-BDCB-651601AB78BD}"/>
               </a:ext>
             </a:extLst>
           </p:cNvPr>
@@ -25692,8 +25739,8 @@
         </p:blipFill>
         <p:spPr>
           <a:xfrm>
-            <a:off x="8836184" y="5106959"/>
-            <a:ext cx="2450157" cy="1013859"/>
+            <a:off x="5022998" y="5313055"/>
+            <a:ext cx="2647327" cy="601665"/>
           </a:xfrm>
           <a:prstGeom prst="rect">
             <a:avLst/>
@@ -25702,10 +25749,10 @@
       </p:pic>
       <p:pic>
         <p:nvPicPr>
-          <p:cNvPr id="22" name="Imagen 21">
+          <p:cNvPr id="40" name="Imagen 39">
             <a:extLst>
               <a:ext uri="{FF2B5EF4-FFF2-40B4-BE49-F238E27FC236}">
-                <a16:creationId xmlns:a16="http://schemas.microsoft.com/office/drawing/2014/main" id="{EB90AF3C-936D-4D44-BFFA-A635C3D9EC15}"/>
+                <a16:creationId xmlns:a16="http://schemas.microsoft.com/office/drawing/2014/main" id="{4F953C2C-6DFB-43C8-882C-B32DB0BB29D6}"/>
               </a:ext>
             </a:extLst>
           </p:cNvPr>
@@ -25722,218 +25769,8 @@
         </p:blipFill>
         <p:spPr>
           <a:xfrm>
-            <a:off x="4795788" y="2889461"/>
-            <a:ext cx="2964216" cy="912066"/>
-          </a:xfrm>
-          <a:prstGeom prst="rect">
-            <a:avLst/>
-          </a:prstGeom>
-        </p:spPr>
-      </p:pic>
-      <p:pic>
-        <p:nvPicPr>
-          <p:cNvPr id="24" name="Imagen 23">
-            <a:extLst>
-              <a:ext uri="{FF2B5EF4-FFF2-40B4-BE49-F238E27FC236}">
-                <a16:creationId xmlns:a16="http://schemas.microsoft.com/office/drawing/2014/main" id="{9A581694-116D-4273-8957-E6C28A72B8B6}"/>
-              </a:ext>
-            </a:extLst>
-          </p:cNvPr>
-          <p:cNvPicPr>
-            <a:picLocks noChangeAspect="1"/>
-          </p:cNvPicPr>
-          <p:nvPr userDrawn="1"/>
-        </p:nvPicPr>
-        <p:blipFill>
-          <a:blip r:embed="rId16"/>
-          <a:stretch>
-            <a:fillRect/>
-          </a:stretch>
-        </p:blipFill>
-        <p:spPr>
-          <a:xfrm>
-            <a:off x="4770299" y="4103833"/>
-            <a:ext cx="3152727" cy="824437"/>
-          </a:xfrm>
-          <a:prstGeom prst="rect">
-            <a:avLst/>
-          </a:prstGeom>
-        </p:spPr>
-      </p:pic>
-      <p:pic>
-        <p:nvPicPr>
-          <p:cNvPr id="26" name="Imagen 25">
-            <a:extLst>
-              <a:ext uri="{FF2B5EF4-FFF2-40B4-BE49-F238E27FC236}">
-                <a16:creationId xmlns:a16="http://schemas.microsoft.com/office/drawing/2014/main" id="{5E015451-231A-4C28-BCF7-34141037A2EC}"/>
-              </a:ext>
-            </a:extLst>
-          </p:cNvPr>
-          <p:cNvPicPr>
-            <a:picLocks noChangeAspect="1"/>
-          </p:cNvPicPr>
-          <p:nvPr userDrawn="1"/>
-        </p:nvPicPr>
-        <p:blipFill>
-          <a:blip r:embed="rId17"/>
-          <a:stretch>
-            <a:fillRect/>
-          </a:stretch>
-        </p:blipFill>
-        <p:spPr>
-          <a:xfrm>
-            <a:off x="8737446" y="2567020"/>
-            <a:ext cx="2801436" cy="861980"/>
-          </a:xfrm>
-          <a:prstGeom prst="rect">
-            <a:avLst/>
-          </a:prstGeom>
-        </p:spPr>
-      </p:pic>
-      <p:pic>
-        <p:nvPicPr>
-          <p:cNvPr id="29" name="Imagen 28">
-            <a:extLst>
-              <a:ext uri="{FF2B5EF4-FFF2-40B4-BE49-F238E27FC236}">
-                <a16:creationId xmlns:a16="http://schemas.microsoft.com/office/drawing/2014/main" id="{A6407B0B-6AB2-4E00-9A39-4222BE49BC90}"/>
-              </a:ext>
-            </a:extLst>
-          </p:cNvPr>
-          <p:cNvPicPr>
-            <a:picLocks noChangeAspect="1"/>
-          </p:cNvPicPr>
-          <p:nvPr userDrawn="1"/>
-        </p:nvPicPr>
-        <p:blipFill>
-          <a:blip r:embed="rId7"/>
-          <a:stretch>
-            <a:fillRect/>
-          </a:stretch>
-        </p:blipFill>
-        <p:spPr>
-          <a:xfrm>
-            <a:off x="794854" y="1381235"/>
-            <a:ext cx="2508794" cy="1254397"/>
-          </a:xfrm>
-          <a:prstGeom prst="rect">
-            <a:avLst/>
-          </a:prstGeom>
-        </p:spPr>
-      </p:pic>
-      <p:pic>
-        <p:nvPicPr>
-          <p:cNvPr id="31" name="Imagen 30">
-            <a:extLst>
-              <a:ext uri="{FF2B5EF4-FFF2-40B4-BE49-F238E27FC236}">
-                <a16:creationId xmlns:a16="http://schemas.microsoft.com/office/drawing/2014/main" id="{C94DB5F8-B2BA-4BD7-B58D-7CB2A9C9CF1D}"/>
-              </a:ext>
-            </a:extLst>
-          </p:cNvPr>
-          <p:cNvPicPr>
-            <a:picLocks noChangeAspect="1"/>
-          </p:cNvPicPr>
-          <p:nvPr userDrawn="1"/>
-        </p:nvPicPr>
-        <p:blipFill>
-          <a:blip r:embed="rId8"/>
-          <a:stretch>
-            <a:fillRect/>
-          </a:stretch>
-        </p:blipFill>
-        <p:spPr>
-          <a:xfrm>
-            <a:off x="989844" y="5106959"/>
-            <a:ext cx="2327347" cy="861980"/>
-          </a:xfrm>
-          <a:prstGeom prst="rect">
-            <a:avLst/>
-          </a:prstGeom>
-        </p:spPr>
-      </p:pic>
-      <p:pic>
-        <p:nvPicPr>
-          <p:cNvPr id="32" name="Imagen 31">
-            <a:extLst>
-              <a:ext uri="{FF2B5EF4-FFF2-40B4-BE49-F238E27FC236}">
-                <a16:creationId xmlns:a16="http://schemas.microsoft.com/office/drawing/2014/main" id="{47593DAD-460E-4D24-BD34-0EB9DAF4C78C}"/>
-              </a:ext>
-            </a:extLst>
-          </p:cNvPr>
-          <p:cNvPicPr>
-            <a:picLocks noChangeAspect="1"/>
-          </p:cNvPicPr>
-          <p:nvPr userDrawn="1"/>
-        </p:nvPicPr>
-        <p:blipFill>
-          <a:blip r:embed="rId9"/>
-          <a:stretch>
-            <a:fillRect/>
-          </a:stretch>
-        </p:blipFill>
-        <p:spPr>
-          <a:xfrm>
-            <a:off x="893033" y="2976976"/>
-            <a:ext cx="2391743" cy="824551"/>
-          </a:xfrm>
-          <a:prstGeom prst="rect">
-            <a:avLst/>
-          </a:prstGeom>
-        </p:spPr>
-      </p:pic>
-      <p:pic>
-        <p:nvPicPr>
-          <p:cNvPr id="33" name="Imagen 32">
-            <a:extLst>
-              <a:ext uri="{FF2B5EF4-FFF2-40B4-BE49-F238E27FC236}">
-                <a16:creationId xmlns:a16="http://schemas.microsoft.com/office/drawing/2014/main" id="{13444165-BAE5-4873-BF7F-7492191AA9F3}"/>
-              </a:ext>
-            </a:extLst>
-          </p:cNvPr>
-          <p:cNvPicPr>
-            <a:picLocks noChangeAspect="1"/>
-          </p:cNvPicPr>
-          <p:nvPr userDrawn="1"/>
-        </p:nvPicPr>
-        <p:blipFill>
-          <a:blip r:embed="rId18"/>
-          <a:stretch>
-            <a:fillRect/>
-          </a:stretch>
-        </p:blipFill>
-        <p:spPr>
-          <a:xfrm>
-            <a:off x="5022998" y="5313055"/>
-            <a:ext cx="2647327" cy="601665"/>
-          </a:xfrm>
-          <a:prstGeom prst="rect">
-            <a:avLst/>
-          </a:prstGeom>
-        </p:spPr>
-      </p:pic>
-      <p:pic>
-        <p:nvPicPr>
-          <p:cNvPr id="34" name="Imagen 33">
-            <a:extLst>
-              <a:ext uri="{FF2B5EF4-FFF2-40B4-BE49-F238E27FC236}">
-                <a16:creationId xmlns:a16="http://schemas.microsoft.com/office/drawing/2014/main" id="{F72876E5-7925-4FD2-9DA0-8FCB7123AE45}"/>
-              </a:ext>
-            </a:extLst>
-          </p:cNvPr>
-          <p:cNvPicPr>
-            <a:picLocks noChangeAspect="1"/>
-          </p:cNvPicPr>
-          <p:nvPr userDrawn="1"/>
-        </p:nvPicPr>
-        <p:blipFill>
-          <a:blip r:embed="rId19"/>
-          <a:stretch>
-            <a:fillRect/>
-          </a:stretch>
-        </p:blipFill>
-        <p:spPr>
-          <a:xfrm>
-            <a:off x="8988718" y="3685844"/>
-            <a:ext cx="2384149" cy="982827"/>
+            <a:off x="941074" y="4020721"/>
+            <a:ext cx="2594132" cy="800532"/>
           </a:xfrm>
           <a:prstGeom prst="rect">
             <a:avLst/>
@@ -28527,12 +28364,12 @@
           <a:graphicData uri="http://schemas.openxmlformats.org/presentationml/2006/ole">
             <mc:AlternateContent xmlns:mc="http://schemas.openxmlformats.org/markup-compatibility/2006">
               <mc:Choice xmlns:v="urn:schemas-microsoft-com:vml" Requires="v">
-                <p:oleObj spid="_x0000_s3131" name="CorelDRAW" r:id="rId3" imgW="1486020" imgH="1396161" progId="CorelDraw.Graphic.21">
+                <p:oleObj name="CorelDRAW" r:id="rId2" imgW="1486020" imgH="1396161" progId="CorelDraw.Graphic.21">
                   <p:embed/>
                 </p:oleObj>
               </mc:Choice>
               <mc:Fallback>
-                <p:oleObj name="CorelDRAW" r:id="rId3" imgW="1486020" imgH="1396161" progId="CorelDraw.Graphic.21">
+                <p:oleObj name="CorelDRAW" r:id="rId2" imgW="1486020" imgH="1396161" progId="CorelDraw.Graphic.21">
                   <p:embed/>
                   <p:pic>
                     <p:nvPicPr>
@@ -28547,7 +28384,7 @@
                       <p:nvPr/>
                     </p:nvPicPr>
                     <p:blipFill>
-                      <a:blip r:embed="rId4"/>
+                      <a:blip r:embed="rId3"/>
                       <a:stretch>
                         <a:fillRect/>
                       </a:stretch>
@@ -28596,12 +28433,12 @@
           <a:graphicData uri="http://schemas.openxmlformats.org/presentationml/2006/ole">
             <mc:AlternateContent xmlns:mc="http://schemas.openxmlformats.org/markup-compatibility/2006">
               <mc:Choice xmlns:v="urn:schemas-microsoft-com:vml" Requires="v">
-                <p:oleObj spid="_x0000_s3132" name="CorelDRAW" r:id="rId5" imgW="7465680" imgH="1050480" progId="CorelDraw.Graphic.21">
+                <p:oleObj name="CorelDRAW" r:id="rId4" imgW="7465680" imgH="1050480" progId="CorelDraw.Graphic.21">
                   <p:embed/>
                 </p:oleObj>
               </mc:Choice>
               <mc:Fallback>
-                <p:oleObj name="CorelDRAW" r:id="rId5" imgW="7465680" imgH="1050480" progId="CorelDraw.Graphic.21">
+                <p:oleObj name="CorelDRAW" r:id="rId4" imgW="7465680" imgH="1050480" progId="CorelDraw.Graphic.21">
                   <p:embed/>
                   <p:pic>
                     <p:nvPicPr>
@@ -28616,7 +28453,7 @@
                       <p:nvPr/>
                     </p:nvPicPr>
                     <p:blipFill>
-                      <a:blip r:embed="rId6"/>
+                      <a:blip r:embed="rId5"/>
                       <a:stretch>
                         <a:fillRect/>
                       </a:stretch>
@@ -28750,12 +28587,12 @@
           <a:graphicData uri="http://schemas.openxmlformats.org/presentationml/2006/ole">
             <mc:AlternateContent xmlns:mc="http://schemas.openxmlformats.org/markup-compatibility/2006">
               <mc:Choice xmlns:v="urn:schemas-microsoft-com:vml" Requires="v">
-                <p:oleObj spid="_x0000_s3133" name="CorelDRAW" r:id="rId7" imgW="9928182" imgH="1396161" progId="CorelDraw.Graphic.21">
+                <p:oleObj name="CorelDRAW" r:id="rId6" imgW="9928182" imgH="1396161" progId="CorelDraw.Graphic.21">
                   <p:embed/>
                 </p:oleObj>
               </mc:Choice>
               <mc:Fallback>
-                <p:oleObj name="CorelDRAW" r:id="rId7" imgW="9928182" imgH="1396161" progId="CorelDraw.Graphic.21">
+                <p:oleObj name="CorelDRAW" r:id="rId6" imgW="9928182" imgH="1396161" progId="CorelDraw.Graphic.21">
                   <p:embed/>
                   <p:pic>
                     <p:nvPicPr>
@@ -28770,7 +28607,7 @@
                       <p:nvPr/>
                     </p:nvPicPr>
                     <p:blipFill>
-                      <a:blip r:embed="rId8"/>
+                      <a:blip r:embed="rId7"/>
                       <a:stretch>
                         <a:fillRect/>
                       </a:stretch>
@@ -31976,12 +31813,12 @@
           <a:graphicData uri="http://schemas.openxmlformats.org/presentationml/2006/ole">
             <mc:AlternateContent xmlns:mc="http://schemas.openxmlformats.org/markup-compatibility/2006">
               <mc:Choice xmlns:v="urn:schemas-microsoft-com:vml" Requires="v">
-                <p:oleObj spid="_x0000_s10263" name="CorelDRAW" r:id="rId3" imgW="1486020" imgH="1396161" progId="CorelDraw.Graphic.21">
+                <p:oleObj name="CorelDRAW" r:id="rId2" imgW="1486020" imgH="1396161" progId="CorelDraw.Graphic.21">
                   <p:embed/>
                 </p:oleObj>
               </mc:Choice>
               <mc:Fallback>
-                <p:oleObj name="CorelDRAW" r:id="rId3" imgW="1486020" imgH="1396161" progId="CorelDraw.Graphic.21">
+                <p:oleObj name="CorelDRAW" r:id="rId2" imgW="1486020" imgH="1396161" progId="CorelDraw.Graphic.21">
                   <p:embed/>
                   <p:pic>
                     <p:nvPicPr>
@@ -31996,7 +31833,7 @@
                       <p:nvPr/>
                     </p:nvPicPr>
                     <p:blipFill>
-                      <a:blip r:embed="rId4"/>
+                      <a:blip r:embed="rId3"/>
                       <a:stretch>
                         <a:fillRect/>
                       </a:stretch>
@@ -32039,12 +31876,12 @@
           <a:graphicData uri="http://schemas.openxmlformats.org/presentationml/2006/ole">
             <mc:AlternateContent xmlns:mc="http://schemas.openxmlformats.org/markup-compatibility/2006">
               <mc:Choice xmlns:v="urn:schemas-microsoft-com:vml" Requires="v">
-                <p:oleObj spid="_x0000_s10264" name="CorelDRAW" r:id="rId5" imgW="7465680" imgH="1050480" progId="CorelDraw.Graphic.21">
+                <p:oleObj name="CorelDRAW" r:id="rId4" imgW="7465680" imgH="1050480" progId="CorelDraw.Graphic.21">
                   <p:embed/>
                 </p:oleObj>
               </mc:Choice>
               <mc:Fallback>
-                <p:oleObj name="CorelDRAW" r:id="rId5" imgW="7465680" imgH="1050480" progId="CorelDraw.Graphic.21">
+                <p:oleObj name="CorelDRAW" r:id="rId4" imgW="7465680" imgH="1050480" progId="CorelDraw.Graphic.21">
                   <p:embed/>
                   <p:pic>
                     <p:nvPicPr>
@@ -32059,7 +31896,7 @@
                       <p:nvPr/>
                     </p:nvPicPr>
                     <p:blipFill>
-                      <a:blip r:embed="rId6"/>
+                      <a:blip r:embed="rId5"/>
                       <a:stretch>
                         <a:fillRect/>
                       </a:stretch>
@@ -32187,12 +32024,12 @@
           <a:graphicData uri="http://schemas.openxmlformats.org/presentationml/2006/ole">
             <mc:AlternateContent xmlns:mc="http://schemas.openxmlformats.org/markup-compatibility/2006">
               <mc:Choice xmlns:v="urn:schemas-microsoft-com:vml" Requires="v">
-                <p:oleObj spid="_x0000_s10265" name="CorelDRAW" r:id="rId7" imgW="9928182" imgH="1396161" progId="CorelDraw.Graphic.21">
+                <p:oleObj name="CorelDRAW" r:id="rId6" imgW="9928182" imgH="1396161" progId="CorelDraw.Graphic.21">
                   <p:embed/>
                 </p:oleObj>
               </mc:Choice>
               <mc:Fallback>
-                <p:oleObj name="CorelDRAW" r:id="rId7" imgW="9928182" imgH="1396161" progId="CorelDraw.Graphic.21">
+                <p:oleObj name="CorelDRAW" r:id="rId6" imgW="9928182" imgH="1396161" progId="CorelDraw.Graphic.21">
                   <p:embed/>
                   <p:pic>
                     <p:nvPicPr>
@@ -32207,7 +32044,7 @@
                       <p:nvPr/>
                     </p:nvPicPr>
                     <p:blipFill>
-                      <a:blip r:embed="rId8"/>
+                      <a:blip r:embed="rId7"/>
                       <a:stretch>
                         <a:fillRect/>
                       </a:stretch>
@@ -36906,7 +36743,7 @@
           <p:nvPr userDrawn="1"/>
         </p:nvPicPr>
         <p:blipFill rotWithShape="1">
-          <a:blip r:embed="rId40"/>
+          <a:blip r:embed="rId39"/>
           <a:srcRect l="762"/>
           <a:stretch/>
         </p:blipFill>
@@ -37227,12 +37064,12 @@
           <a:graphicData uri="http://schemas.openxmlformats.org/presentationml/2006/ole">
             <mc:AlternateContent xmlns:mc="http://schemas.openxmlformats.org/markup-compatibility/2006">
               <mc:Choice xmlns:v="urn:schemas-microsoft-com:vml" Requires="v">
-                <p:oleObj spid="_x0000_s1212" name="CorelDRAW" r:id="rId41" imgW="1486020" imgH="1396161" progId="CorelDraw.Graphic.21">
+                <p:oleObj name="CorelDRAW" r:id="rId40" imgW="1486020" imgH="1396161" progId="CorelDraw.Graphic.21">
                   <p:embed/>
                 </p:oleObj>
               </mc:Choice>
               <mc:Fallback>
-                <p:oleObj name="CorelDRAW" r:id="rId41" imgW="1486020" imgH="1396161" progId="CorelDraw.Graphic.21">
+                <p:oleObj name="CorelDRAW" r:id="rId40" imgW="1486020" imgH="1396161" progId="CorelDraw.Graphic.21">
                   <p:embed/>
                   <p:pic>
                     <p:nvPicPr>
@@ -37241,7 +37078,7 @@
                       <p:nvPr/>
                     </p:nvPicPr>
                     <p:blipFill>
-                      <a:blip r:embed="rId42"/>
+                      <a:blip r:embed="rId41"/>
                       <a:stretch>
                         <a:fillRect/>
                       </a:stretch>
@@ -37290,12 +37127,12 @@
           <a:graphicData uri="http://schemas.openxmlformats.org/presentationml/2006/ole">
             <mc:AlternateContent xmlns:mc="http://schemas.openxmlformats.org/markup-compatibility/2006">
               <mc:Choice xmlns:v="urn:schemas-microsoft-com:vml" Requires="v">
-                <p:oleObj spid="_x0000_s1213" name="CorelDRAW" r:id="rId43" imgW="1486020" imgH="1396161" progId="CorelDraw.Graphic.21">
+                <p:oleObj name="CorelDRAW" r:id="rId42" imgW="1486020" imgH="1396161" progId="CorelDraw.Graphic.21">
                   <p:embed/>
                 </p:oleObj>
               </mc:Choice>
               <mc:Fallback>
-                <p:oleObj name="CorelDRAW" r:id="rId43" imgW="1486020" imgH="1396161" progId="CorelDraw.Graphic.21">
+                <p:oleObj name="CorelDRAW" r:id="rId42" imgW="1486020" imgH="1396161" progId="CorelDraw.Graphic.21">
                   <p:embed/>
                   <p:pic>
                     <p:nvPicPr>
@@ -37304,7 +37141,7 @@
                       <p:nvPr/>
                     </p:nvPicPr>
                     <p:blipFill>
-                      <a:blip r:embed="rId44"/>
+                      <a:blip r:embed="rId43"/>
                       <a:stretch>
                         <a:fillRect/>
                       </a:stretch>
@@ -37353,12 +37190,12 @@
           <a:graphicData uri="http://schemas.openxmlformats.org/presentationml/2006/ole">
             <mc:AlternateContent xmlns:mc="http://schemas.openxmlformats.org/markup-compatibility/2006">
               <mc:Choice xmlns:v="urn:schemas-microsoft-com:vml" Requires="v">
-                <p:oleObj spid="_x0000_s1214" name="CorelDRAW" r:id="rId45" imgW="10437565" imgH="1396161" progId="CorelDraw.Graphic.21">
+                <p:oleObj name="CorelDRAW" r:id="rId44" imgW="10437565" imgH="1396161" progId="CorelDraw.Graphic.21">
                   <p:embed/>
                 </p:oleObj>
               </mc:Choice>
               <mc:Fallback>
-                <p:oleObj name="CorelDRAW" r:id="rId45" imgW="10437565" imgH="1396161" progId="CorelDraw.Graphic.21">
+                <p:oleObj name="CorelDRAW" r:id="rId44" imgW="10437565" imgH="1396161" progId="CorelDraw.Graphic.21">
                   <p:embed/>
                   <p:pic>
                     <p:nvPicPr>
@@ -37373,7 +37210,7 @@
                       <p:nvPr/>
                     </p:nvPicPr>
                     <p:blipFill>
-                      <a:blip r:embed="rId46"/>
+                      <a:blip r:embed="rId45"/>
                       <a:stretch>
                         <a:fillRect/>
                       </a:stretch>
@@ -37422,12 +37259,12 @@
           <a:graphicData uri="http://schemas.openxmlformats.org/presentationml/2006/ole">
             <mc:AlternateContent xmlns:mc="http://schemas.openxmlformats.org/markup-compatibility/2006">
               <mc:Choice xmlns:v="urn:schemas-microsoft-com:vml" Requires="v">
-                <p:oleObj spid="_x0000_s1215" name="CorelDRAW" r:id="rId47" imgW="9928182" imgH="1396161" progId="CorelDraw.Graphic.21">
+                <p:oleObj name="CorelDRAW" r:id="rId46" imgW="9928182" imgH="1396161" progId="CorelDraw.Graphic.21">
                   <p:embed/>
                 </p:oleObj>
               </mc:Choice>
               <mc:Fallback>
-                <p:oleObj name="CorelDRAW" r:id="rId47" imgW="9928182" imgH="1396161" progId="CorelDraw.Graphic.21">
+                <p:oleObj name="CorelDRAW" r:id="rId46" imgW="9928182" imgH="1396161" progId="CorelDraw.Graphic.21">
                   <p:embed/>
                   <p:pic>
                     <p:nvPicPr>
@@ -37442,7 +37279,7 @@
                       <p:nvPr/>
                     </p:nvPicPr>
                     <p:blipFill>
-                      <a:blip r:embed="rId48"/>
+                      <a:blip r:embed="rId47"/>
                       <a:stretch>
                         <a:fillRect/>
                       </a:stretch>
@@ -37491,12 +37328,12 @@
           <a:graphicData uri="http://schemas.openxmlformats.org/presentationml/2006/ole">
             <mc:AlternateContent xmlns:mc="http://schemas.openxmlformats.org/markup-compatibility/2006">
               <mc:Choice xmlns:v="urn:schemas-microsoft-com:vml" Requires="v">
-                <p:oleObj spid="_x0000_s1216" name="CorelDRAW" r:id="rId49" imgW="1486020" imgH="1396161" progId="CorelDraw.Graphic.21">
+                <p:oleObj name="CorelDRAW" r:id="rId48" imgW="1486020" imgH="1396161" progId="CorelDraw.Graphic.21">
                   <p:embed/>
                 </p:oleObj>
               </mc:Choice>
               <mc:Fallback>
-                <p:oleObj name="CorelDRAW" r:id="rId49" imgW="1486020" imgH="1396161" progId="CorelDraw.Graphic.21">
+                <p:oleObj name="CorelDRAW" r:id="rId48" imgW="1486020" imgH="1396161" progId="CorelDraw.Graphic.21">
                   <p:embed/>
                   <p:pic>
                     <p:nvPicPr>
@@ -37511,7 +37348,7 @@
                       <p:nvPr/>
                     </p:nvPicPr>
                     <p:blipFill>
-                      <a:blip r:embed="rId50"/>
+                      <a:blip r:embed="rId49"/>
                       <a:stretch>
                         <a:fillRect/>
                       </a:stretch>
@@ -37560,12 +37397,12 @@
           <a:graphicData uri="http://schemas.openxmlformats.org/presentationml/2006/ole">
             <mc:AlternateContent xmlns:mc="http://schemas.openxmlformats.org/markup-compatibility/2006">
               <mc:Choice xmlns:v="urn:schemas-microsoft-com:vml" Requires="v">
-                <p:oleObj spid="_x0000_s1217" name="CorelDRAW" r:id="rId51" imgW="9928182" imgH="1396161" progId="CorelDraw.Graphic.21">
+                <p:oleObj name="CorelDRAW" r:id="rId50" imgW="9928182" imgH="1396161" progId="CorelDraw.Graphic.21">
                   <p:embed/>
                 </p:oleObj>
               </mc:Choice>
               <mc:Fallback>
-                <p:oleObj name="CorelDRAW" r:id="rId51" imgW="9928182" imgH="1396161" progId="CorelDraw.Graphic.21">
+                <p:oleObj name="CorelDRAW" r:id="rId50" imgW="9928182" imgH="1396161" progId="CorelDraw.Graphic.21">
                   <p:embed/>
                   <p:pic>
                     <p:nvPicPr>
@@ -37580,7 +37417,7 @@
                       <p:nvPr/>
                     </p:nvPicPr>
                     <p:blipFill>
-                      <a:blip r:embed="rId48"/>
+                      <a:blip r:embed="rId47"/>
                       <a:stretch>
                         <a:fillRect/>
                       </a:stretch>
@@ -43066,15 +42903,7 @@
             </a:br>
             <a:r>
               <a:rPr lang="es-ES" dirty="0"/>
-              <a:t>13 </a:t>
-            </a:r>
-            <a:r>
-              <a:rPr lang="es-ES" dirty="0" err="1"/>
-              <a:t>December</a:t>
-            </a:r>
-            <a:r>
-              <a:rPr lang="es-ES" dirty="0"/>
-              <a:t> 2019</a:t>
+              <a:t>16 Enero 2021</a:t>
             </a:r>
           </a:p>
         </p:txBody>
@@ -45356,77 +45185,6 @@
 </file>
 
 <file path=customXml/item1.xml><?xml version="1.0" encoding="utf-8"?>
-<p:properties xmlns:p="http://schemas.microsoft.com/office/2006/metadata/properties" xmlns:xsi="http://www.w3.org/2001/XMLSchema-instance" xmlns:pc="http://schemas.microsoft.com/office/infopath/2007/PartnerControls">
-  <documentManagement>
-    <_ip_UnifiedCompliancePolicyUIAction xmlns="http://schemas.microsoft.com/sharepoint/v3" xsi:nil="true"/>
-    <_ip_UnifiedCompliancePolicyProperties xmlns="http://schemas.microsoft.com/sharepoint/v3" xsi:nil="true"/>
-    <MediaServiceKeyPoints xmlns="9d1f81f6-e953-47ea-988e-33ed651c58e6" xsi:nil="true"/>
-    <External_x0020_Speaker xmlns="5a4b3278-325d-441a-b38f-6f1926bc734e" xsi:nil="true"/>
-    <j478fa01fff54a9d85f93cc1f742caa8 xmlns="5a4b3278-325d-441a-b38f-6f1926bc734e">
-      <Terms xmlns="http://schemas.microsoft.com/office/infopath/2007/PartnerControls"/>
-    </j478fa01fff54a9d85f93cc1f742caa8>
-    <Event_x0020_End_x0020_Date xmlns="5a4b3278-325d-441a-b38f-6f1926bc734e" xsi:nil="true"/>
-    <LikesCount xmlns="http://schemas.microsoft.com/sharepoint/v3" xsi:nil="true"/>
-    <MS_x0020_Speaker xmlns="5a4b3278-325d-441a-b38f-6f1926bc734e">
-      <UserInfo>
-        <DisplayName/>
-        <AccountId xsi:nil="true"/>
-        <AccountType/>
-      </UserInfo>
-    </MS_x0020_Speaker>
-    <o33121adfc264c7dbcad13be7db3ea4b xmlns="5a4b3278-325d-441a-b38f-6f1926bc734e">
-      <Terms xmlns="http://schemas.microsoft.com/office/infopath/2007/PartnerControls"/>
-    </o33121adfc264c7dbcad13be7db3ea4b>
-    <Session_x0020_Code xmlns="5a4b3278-325d-441a-b38f-6f1926bc734e" xsi:nil="true"/>
-    <Presentation_x0020_Date xmlns="5a4b3278-325d-441a-b38f-6f1926bc734e" xsi:nil="true"/>
-    <ba5aa7e3a41a404e868a451481761228 xmlns="5a4b3278-325d-441a-b38f-6f1926bc734e">
-      <Terms xmlns="http://schemas.microsoft.com/office/infopath/2007/PartnerControls"/>
-    </ba5aa7e3a41a404e868a451481761228>
-    <n26c0b7259a14f82a9880173edc4cb73 xmlns="5a4b3278-325d-441a-b38f-6f1926bc734e">
-      <Terms xmlns="http://schemas.microsoft.com/office/infopath/2007/PartnerControls"/>
-    </n26c0b7259a14f82a9880173edc4cb73>
-    <c4b02e5b2c48420dbed84c0f2f02e9a3 xmlns="5a4b3278-325d-441a-b38f-6f1926bc734e">
-      <Terms xmlns="http://schemas.microsoft.com/office/infopath/2007/PartnerControls"/>
-    </c4b02e5b2c48420dbed84c0f2f02e9a3>
-    <Event_x0020_Start_x0020_Date xmlns="5a4b3278-325d-441a-b38f-6f1926bc734e" xsi:nil="true"/>
-    <MS_x0020_Content_x0020_Owner xmlns="5a4b3278-325d-441a-b38f-6f1926bc734e">
-      <UserInfo>
-        <DisplayName/>
-        <AccountId xsi:nil="true"/>
-        <AccountType/>
-      </UserInfo>
-    </MS_x0020_Content_x0020_Owner>
-    <TaxKeywordTaxHTField xmlns="230e9df3-be65-4c73-a93b-d1236ebd677e">
-      <Terms xmlns="http://schemas.microsoft.com/office/infopath/2007/PartnerControls">
-        <TermInfo xmlns="http://schemas.microsoft.com/office/infopath/2007/PartnerControls">
-          <TermName xmlns="http://schemas.microsoft.com/office/infopath/2007/PartnerControls">Microsoft Ignite The Tour FY20</TermName>
-          <TermId xmlns="http://schemas.microsoft.com/office/infopath/2007/PartnerControls">92cd8354-19e0-47e3-879f-674e86e0d77f</TermId>
-        </TermInfo>
-      </Terms>
-    </TaxKeywordTaxHTField>
-    <j129f3114929433a812312450a84994c xmlns="5a4b3278-325d-441a-b38f-6f1926bc734e">
-      <Terms xmlns="http://schemas.microsoft.com/office/infopath/2007/PartnerControls"/>
-    </j129f3114929433a812312450a84994c>
-    <TaxCatchAll xmlns="230e9df3-be65-4c73-a93b-d1236ebd677e">
-      <Value>251</Value>
-    </TaxCatchAll>
-    <e1750f71052543bd8c4d7217e9f56da0 xmlns="5a4b3278-325d-441a-b38f-6f1926bc734e">
-      <Terms xmlns="http://schemas.microsoft.com/office/infopath/2007/PartnerControls"/>
-    </e1750f71052543bd8c4d7217e9f56da0>
-  </documentManagement>
-</p:properties>
-</file>
-
-<file path=customXml/item2.xml><?xml version="1.0" encoding="utf-8"?>
-<?mso-contentType ?>
-<FormTemplates xmlns="http://schemas.microsoft.com/sharepoint/v3/contenttype/forms">
-  <Display>DocumentLibraryForm</Display>
-  <Edit>DocumentLibraryForm</Edit>
-  <New>DocumentLibraryForm</New>
-</FormTemplates>
-</file>
-
-<file path=customXml/item3.xml><?xml version="1.0" encoding="utf-8"?>
 <ct:contentTypeSchema xmlns:ct="http://schemas.microsoft.com/office/2006/metadata/contentType" xmlns:ma="http://schemas.microsoft.com/office/2006/metadata/properties/metaAttributes" ct:_="" ma:_="" ma:contentTypeName="PresentationsDoc" ma:contentTypeID="0x010100606EF5350B4AC34299E527B9221D6B5E001A2DF7EB5935C14F830206357EC2322C" ma:contentTypeVersion="34" ma:contentTypeDescription="" ma:contentTypeScope="" ma:versionID="b48d6a27735be7714bdd88c81c28b068">
   <xsd:schema xmlns:xsd="http://www.w3.org/2001/XMLSchema" xmlns:xs="http://www.w3.org/2001/XMLSchema" xmlns:p="http://schemas.microsoft.com/office/2006/metadata/properties" xmlns:ns1="http://schemas.microsoft.com/sharepoint/v3" xmlns:ns2="5a4b3278-325d-441a-b38f-6f1926bc734e" xmlns:ns3="230e9df3-be65-4c73-a93b-d1236ebd677e" xmlns:ns5="9d1f81f6-e953-47ea-988e-33ed651c58e6" targetNamespace="http://schemas.microsoft.com/office/2006/metadata/properties" ma:root="true" ma:fieldsID="61aa76b7b235bae3242d4a7e9080af88" ns1:_="" ns2:_="" ns3:_="" ns5:_="">
     <xsd:import namespace="http://schemas.microsoft.com/sharepoint/v3"/>
@@ -45847,7 +45605,107 @@
 </ct:contentTypeSchema>
 </file>
 
+<file path=customXml/item2.xml><?xml version="1.0" encoding="utf-8"?>
+<?mso-contentType ?>
+<FormTemplates xmlns="http://schemas.microsoft.com/sharepoint/v3/contenttype/forms">
+  <Display>DocumentLibraryForm</Display>
+  <Edit>DocumentLibraryForm</Edit>
+  <New>DocumentLibraryForm</New>
+</FormTemplates>
+</file>
+
+<file path=customXml/item3.xml><?xml version="1.0" encoding="utf-8"?>
+<p:properties xmlns:p="http://schemas.microsoft.com/office/2006/metadata/properties" xmlns:xsi="http://www.w3.org/2001/XMLSchema-instance" xmlns:pc="http://schemas.microsoft.com/office/infopath/2007/PartnerControls">
+  <documentManagement>
+    <_ip_UnifiedCompliancePolicyUIAction xmlns="http://schemas.microsoft.com/sharepoint/v3" xsi:nil="true"/>
+    <_ip_UnifiedCompliancePolicyProperties xmlns="http://schemas.microsoft.com/sharepoint/v3" xsi:nil="true"/>
+    <MediaServiceKeyPoints xmlns="9d1f81f6-e953-47ea-988e-33ed651c58e6" xsi:nil="true"/>
+    <External_x0020_Speaker xmlns="5a4b3278-325d-441a-b38f-6f1926bc734e" xsi:nil="true"/>
+    <j478fa01fff54a9d85f93cc1f742caa8 xmlns="5a4b3278-325d-441a-b38f-6f1926bc734e">
+      <Terms xmlns="http://schemas.microsoft.com/office/infopath/2007/PartnerControls"/>
+    </j478fa01fff54a9d85f93cc1f742caa8>
+    <Event_x0020_End_x0020_Date xmlns="5a4b3278-325d-441a-b38f-6f1926bc734e" xsi:nil="true"/>
+    <LikesCount xmlns="http://schemas.microsoft.com/sharepoint/v3" xsi:nil="true"/>
+    <MS_x0020_Speaker xmlns="5a4b3278-325d-441a-b38f-6f1926bc734e">
+      <UserInfo>
+        <DisplayName/>
+        <AccountId xsi:nil="true"/>
+        <AccountType/>
+      </UserInfo>
+    </MS_x0020_Speaker>
+    <o33121adfc264c7dbcad13be7db3ea4b xmlns="5a4b3278-325d-441a-b38f-6f1926bc734e">
+      <Terms xmlns="http://schemas.microsoft.com/office/infopath/2007/PartnerControls"/>
+    </o33121adfc264c7dbcad13be7db3ea4b>
+    <Session_x0020_Code xmlns="5a4b3278-325d-441a-b38f-6f1926bc734e" xsi:nil="true"/>
+    <Presentation_x0020_Date xmlns="5a4b3278-325d-441a-b38f-6f1926bc734e" xsi:nil="true"/>
+    <ba5aa7e3a41a404e868a451481761228 xmlns="5a4b3278-325d-441a-b38f-6f1926bc734e">
+      <Terms xmlns="http://schemas.microsoft.com/office/infopath/2007/PartnerControls"/>
+    </ba5aa7e3a41a404e868a451481761228>
+    <n26c0b7259a14f82a9880173edc4cb73 xmlns="5a4b3278-325d-441a-b38f-6f1926bc734e">
+      <Terms xmlns="http://schemas.microsoft.com/office/infopath/2007/PartnerControls"/>
+    </n26c0b7259a14f82a9880173edc4cb73>
+    <c4b02e5b2c48420dbed84c0f2f02e9a3 xmlns="5a4b3278-325d-441a-b38f-6f1926bc734e">
+      <Terms xmlns="http://schemas.microsoft.com/office/infopath/2007/PartnerControls"/>
+    </c4b02e5b2c48420dbed84c0f2f02e9a3>
+    <Event_x0020_Start_x0020_Date xmlns="5a4b3278-325d-441a-b38f-6f1926bc734e" xsi:nil="true"/>
+    <MS_x0020_Content_x0020_Owner xmlns="5a4b3278-325d-441a-b38f-6f1926bc734e">
+      <UserInfo>
+        <DisplayName/>
+        <AccountId xsi:nil="true"/>
+        <AccountType/>
+      </UserInfo>
+    </MS_x0020_Content_x0020_Owner>
+    <TaxKeywordTaxHTField xmlns="230e9df3-be65-4c73-a93b-d1236ebd677e">
+      <Terms xmlns="http://schemas.microsoft.com/office/infopath/2007/PartnerControls">
+        <TermInfo xmlns="http://schemas.microsoft.com/office/infopath/2007/PartnerControls">
+          <TermName xmlns="http://schemas.microsoft.com/office/infopath/2007/PartnerControls">Microsoft Ignite The Tour FY20</TermName>
+          <TermId xmlns="http://schemas.microsoft.com/office/infopath/2007/PartnerControls">92cd8354-19e0-47e3-879f-674e86e0d77f</TermId>
+        </TermInfo>
+      </Terms>
+    </TaxKeywordTaxHTField>
+    <j129f3114929433a812312450a84994c xmlns="5a4b3278-325d-441a-b38f-6f1926bc734e">
+      <Terms xmlns="http://schemas.microsoft.com/office/infopath/2007/PartnerControls"/>
+    </j129f3114929433a812312450a84994c>
+    <TaxCatchAll xmlns="230e9df3-be65-4c73-a93b-d1236ebd677e">
+      <Value>251</Value>
+    </TaxCatchAll>
+    <e1750f71052543bd8c4d7217e9f56da0 xmlns="5a4b3278-325d-441a-b38f-6f1926bc734e">
+      <Terms xmlns="http://schemas.microsoft.com/office/infopath/2007/PartnerControls"/>
+    </e1750f71052543bd8c4d7217e9f56da0>
+  </documentManagement>
+</p:properties>
+</file>
+
 <file path=customXml/itemProps1.xml><?xml version="1.0" encoding="utf-8"?>
+<ds:datastoreItem xmlns:ds="http://schemas.openxmlformats.org/officeDocument/2006/customXml" ds:itemID="{625FD152-D4B9-485B-9213-BB78FF8ABCB4}">
+  <ds:schemaRefs>
+    <ds:schemaRef ds:uri="http://schemas.microsoft.com/office/2006/metadata/contentType"/>
+    <ds:schemaRef ds:uri="http://schemas.microsoft.com/office/2006/metadata/properties/metaAttributes"/>
+    <ds:schemaRef ds:uri="http://www.w3.org/2001/XMLSchema"/>
+    <ds:schemaRef ds:uri="http://schemas.microsoft.com/office/2006/metadata/properties"/>
+    <ds:schemaRef ds:uri="http://schemas.microsoft.com/sharepoint/v3"/>
+    <ds:schemaRef ds:uri="5a4b3278-325d-441a-b38f-6f1926bc734e"/>
+    <ds:schemaRef ds:uri="230e9df3-be65-4c73-a93b-d1236ebd677e"/>
+    <ds:schemaRef ds:uri="9d1f81f6-e953-47ea-988e-33ed651c58e6"/>
+    <ds:schemaRef ds:uri="http://schemas.microsoft.com/office/2006/documentManagement/types"/>
+    <ds:schemaRef ds:uri="http://schemas.microsoft.com/office/infopath/2007/PartnerControls"/>
+    <ds:schemaRef ds:uri="http://schemas.openxmlformats.org/package/2006/metadata/core-properties"/>
+    <ds:schemaRef ds:uri="http://purl.org/dc/elements/1.1/"/>
+    <ds:schemaRef ds:uri="http://purl.org/dc/terms/"/>
+    <ds:schemaRef ds:uri="http://schemas.microsoft.com/internal/obd"/>
+  </ds:schemaRefs>
+</ds:datastoreItem>
+</file>
+
+<file path=customXml/itemProps2.xml><?xml version="1.0" encoding="utf-8"?>
+<ds:datastoreItem xmlns:ds="http://schemas.openxmlformats.org/officeDocument/2006/customXml" ds:itemID="{758FDAC0-319D-4A54-8D8E-1D42CB1F8004}">
+  <ds:schemaRefs>
+    <ds:schemaRef ds:uri="http://schemas.microsoft.com/sharepoint/v3/contenttype/forms"/>
+  </ds:schemaRefs>
+</ds:datastoreItem>
+</file>
+
+<file path=customXml/itemProps3.xml><?xml version="1.0" encoding="utf-8"?>
 <ds:datastoreItem xmlns:ds="http://schemas.openxmlformats.org/officeDocument/2006/customXml" ds:itemID="{F990F116-B58F-4255-B05B-DA3808E0E5C6}">
   <ds:schemaRefs>
     <ds:schemaRef ds:uri="12239fb0-26c0-4a37-b790-6c81fba9d0fc"/>
@@ -45866,33 +45724,4 @@
     <ds:schemaRef ds:uri="230e9df3-be65-4c73-a93b-d1236ebd677e"/>
   </ds:schemaRefs>
 </ds:datastoreItem>
-</file>
-
-<file path=customXml/itemProps2.xml><?xml version="1.0" encoding="utf-8"?>
-<ds:datastoreItem xmlns:ds="http://schemas.openxmlformats.org/officeDocument/2006/customXml" ds:itemID="{758FDAC0-319D-4A54-8D8E-1D42CB1F8004}">
-  <ds:schemaRefs>
-    <ds:schemaRef ds:uri="http://schemas.microsoft.com/sharepoint/v3/contenttype/forms"/>
-  </ds:schemaRefs>
-</ds:datastoreItem>
-</file>
-
-<file path=customXml/itemProps3.xml><?xml version="1.0" encoding="utf-8"?>
-<ds:datastoreItem xmlns:ds="http://schemas.openxmlformats.org/officeDocument/2006/customXml" ds:itemID="{625FD152-D4B9-485B-9213-BB78FF8ABCB4}">
-  <ds:schemaRefs>
-    <ds:schemaRef ds:uri="http://schemas.microsoft.com/office/2006/metadata/contentType"/>
-    <ds:schemaRef ds:uri="http://schemas.microsoft.com/office/2006/metadata/properties/metaAttributes"/>
-    <ds:schemaRef ds:uri="http://www.w3.org/2001/XMLSchema"/>
-    <ds:schemaRef ds:uri="http://schemas.microsoft.com/office/2006/metadata/properties"/>
-    <ds:schemaRef ds:uri="http://schemas.microsoft.com/sharepoint/v3"/>
-    <ds:schemaRef ds:uri="5a4b3278-325d-441a-b38f-6f1926bc734e"/>
-    <ds:schemaRef ds:uri="230e9df3-be65-4c73-a93b-d1236ebd677e"/>
-    <ds:schemaRef ds:uri="9d1f81f6-e953-47ea-988e-33ed651c58e6"/>
-    <ds:schemaRef ds:uri="http://schemas.microsoft.com/office/2006/documentManagement/types"/>
-    <ds:schemaRef ds:uri="http://schemas.microsoft.com/office/infopath/2007/PartnerControls"/>
-    <ds:schemaRef ds:uri="http://schemas.openxmlformats.org/package/2006/metadata/core-properties"/>
-    <ds:schemaRef ds:uri="http://purl.org/dc/elements/1.1/"/>
-    <ds:schemaRef ds:uri="http://purl.org/dc/terms/"/>
-    <ds:schemaRef ds:uri="http://schemas.microsoft.com/internal/obd"/>
-  </ds:schemaRefs>
-</ds:datastoreItem>
 </file>
--- a/PPT/Template/GlobalAI-Speaker template.pptx
+++ b/PPT/Template/GlobalAI-Speaker template.pptx
@@ -280,7 +280,7 @@
               <a:rPr lang="en-US" smtClean="0">
                 <a:latin typeface="Segoe UI" pitchFamily="34" charset="0"/>
               </a:rPr>
-              <a:t>1/10/2021 1:48 PM</a:t>
+              <a:t>1/11/2021 10:26 AM</a:t>
             </a:fld>
             <a:endParaRPr lang="en-US">
               <a:latin typeface="Segoe UI" pitchFamily="34" charset="0"/>
@@ -558,7 +558,7 @@
           <a:p>
             <a:fld id="{386CE63F-9E7F-4C04-9D0D-FCA25A8E9E86}" type="datetime8">
               <a:rPr lang="en-US" smtClean="0"/>
-              <a:t>1/10/2021 1:48 PM</a:t>
+              <a:t>1/11/2021 10:26 AM</a:t>
             </a:fld>
             <a:endParaRPr lang="en-US"/>
           </a:p>
@@ -2014,216 +2014,6 @@
       </p:sp>
       <p:pic>
         <p:nvPicPr>
-          <p:cNvPr id="42" name="Imagen 41">
-            <a:extLst>
-              <a:ext uri="{FF2B5EF4-FFF2-40B4-BE49-F238E27FC236}">
-                <a16:creationId xmlns:a16="http://schemas.microsoft.com/office/drawing/2014/main" id="{CFE36E5C-300D-43C3-BE61-452D23910E7A}"/>
-              </a:ext>
-            </a:extLst>
-          </p:cNvPr>
-          <p:cNvPicPr>
-            <a:picLocks noChangeAspect="1"/>
-          </p:cNvPicPr>
-          <p:nvPr userDrawn="1"/>
-        </p:nvPicPr>
-        <p:blipFill>
-          <a:blip r:embed="rId8"/>
-          <a:stretch>
-            <a:fillRect/>
-          </a:stretch>
-        </p:blipFill>
-        <p:spPr>
-          <a:xfrm>
-            <a:off x="6038054" y="5126102"/>
-            <a:ext cx="2243624" cy="690346"/>
-          </a:xfrm>
-          <a:prstGeom prst="rect">
-            <a:avLst/>
-          </a:prstGeom>
-        </p:spPr>
-      </p:pic>
-      <p:pic>
-        <p:nvPicPr>
-          <p:cNvPr id="43" name="Imagen 42">
-            <a:extLst>
-              <a:ext uri="{FF2B5EF4-FFF2-40B4-BE49-F238E27FC236}">
-                <a16:creationId xmlns:a16="http://schemas.microsoft.com/office/drawing/2014/main" id="{1E5521AC-4CAB-411F-AC1B-1FC08331F083}"/>
-              </a:ext>
-            </a:extLst>
-          </p:cNvPr>
-          <p:cNvPicPr>
-            <a:picLocks noChangeAspect="1"/>
-          </p:cNvPicPr>
-          <p:nvPr userDrawn="1"/>
-        </p:nvPicPr>
-        <p:blipFill>
-          <a:blip r:embed="rId9"/>
-          <a:stretch>
-            <a:fillRect/>
-          </a:stretch>
-        </p:blipFill>
-        <p:spPr>
-          <a:xfrm>
-            <a:off x="8539558" y="5733198"/>
-            <a:ext cx="1582743" cy="586201"/>
-          </a:xfrm>
-          <a:prstGeom prst="rect">
-            <a:avLst/>
-          </a:prstGeom>
-        </p:spPr>
-      </p:pic>
-      <p:pic>
-        <p:nvPicPr>
-          <p:cNvPr id="44" name="Imagen 43">
-            <a:extLst>
-              <a:ext uri="{FF2B5EF4-FFF2-40B4-BE49-F238E27FC236}">
-                <a16:creationId xmlns:a16="http://schemas.microsoft.com/office/drawing/2014/main" id="{11316E2E-3D77-4C04-B311-6A3BC810876B}"/>
-              </a:ext>
-            </a:extLst>
-          </p:cNvPr>
-          <p:cNvPicPr>
-            <a:picLocks noChangeAspect="1"/>
-          </p:cNvPicPr>
-          <p:nvPr userDrawn="1"/>
-        </p:nvPicPr>
-        <p:blipFill>
-          <a:blip r:embed="rId10"/>
-          <a:stretch>
-            <a:fillRect/>
-          </a:stretch>
-        </p:blipFill>
-        <p:spPr>
-          <a:xfrm>
-            <a:off x="1494915" y="5537785"/>
-            <a:ext cx="2015855" cy="620263"/>
-          </a:xfrm>
-          <a:prstGeom prst="rect">
-            <a:avLst/>
-          </a:prstGeom>
-        </p:spPr>
-      </p:pic>
-      <p:pic>
-        <p:nvPicPr>
-          <p:cNvPr id="45" name="Imagen 44">
-            <a:extLst>
-              <a:ext uri="{FF2B5EF4-FFF2-40B4-BE49-F238E27FC236}">
-                <a16:creationId xmlns:a16="http://schemas.microsoft.com/office/drawing/2014/main" id="{27698EF9-7487-44AD-80EC-BF4C4D09A750}"/>
-              </a:ext>
-            </a:extLst>
-          </p:cNvPr>
-          <p:cNvPicPr>
-            <a:picLocks noChangeAspect="1"/>
-          </p:cNvPicPr>
-          <p:nvPr userDrawn="1"/>
-        </p:nvPicPr>
-        <p:blipFill>
-          <a:blip r:embed="rId11"/>
-          <a:stretch>
-            <a:fillRect/>
-          </a:stretch>
-        </p:blipFill>
-        <p:spPr>
-          <a:xfrm>
-            <a:off x="3816249" y="5203641"/>
-            <a:ext cx="2144054" cy="560669"/>
-          </a:xfrm>
-          <a:prstGeom prst="rect">
-            <a:avLst/>
-          </a:prstGeom>
-        </p:spPr>
-      </p:pic>
-      <p:pic>
-        <p:nvPicPr>
-          <p:cNvPr id="46" name="Imagen 45">
-            <a:extLst>
-              <a:ext uri="{FF2B5EF4-FFF2-40B4-BE49-F238E27FC236}">
-                <a16:creationId xmlns:a16="http://schemas.microsoft.com/office/drawing/2014/main" id="{6F0DF829-9E01-4878-8C8F-E8F7AD4159ED}"/>
-              </a:ext>
-            </a:extLst>
-          </p:cNvPr>
-          <p:cNvPicPr>
-            <a:picLocks noChangeAspect="1"/>
-          </p:cNvPicPr>
-          <p:nvPr userDrawn="1"/>
-        </p:nvPicPr>
-        <p:blipFill>
-          <a:blip r:embed="rId12"/>
-          <a:stretch>
-            <a:fillRect/>
-          </a:stretch>
-        </p:blipFill>
-        <p:spPr>
-          <a:xfrm>
-            <a:off x="3860320" y="5847917"/>
-            <a:ext cx="1905154" cy="586201"/>
-          </a:xfrm>
-          <a:prstGeom prst="rect">
-            <a:avLst/>
-          </a:prstGeom>
-        </p:spPr>
-      </p:pic>
-      <p:pic>
-        <p:nvPicPr>
-          <p:cNvPr id="52" name="Imagen 51">
-            <a:extLst>
-              <a:ext uri="{FF2B5EF4-FFF2-40B4-BE49-F238E27FC236}">
-                <a16:creationId xmlns:a16="http://schemas.microsoft.com/office/drawing/2014/main" id="{999BD06F-0AD4-4E45-B274-E87BA24F79BC}"/>
-              </a:ext>
-            </a:extLst>
-          </p:cNvPr>
-          <p:cNvPicPr>
-            <a:picLocks noChangeAspect="1"/>
-          </p:cNvPicPr>
-          <p:nvPr userDrawn="1"/>
-        </p:nvPicPr>
-        <p:blipFill>
-          <a:blip r:embed="rId13"/>
-          <a:stretch>
-            <a:fillRect/>
-          </a:stretch>
-        </p:blipFill>
-        <p:spPr>
-          <a:xfrm>
-            <a:off x="6259691" y="5936432"/>
-            <a:ext cx="1800350" cy="409170"/>
-          </a:xfrm>
-          <a:prstGeom prst="rect">
-            <a:avLst/>
-          </a:prstGeom>
-        </p:spPr>
-      </p:pic>
-      <p:pic>
-        <p:nvPicPr>
-          <p:cNvPr id="53" name="Imagen 52">
-            <a:extLst>
-              <a:ext uri="{FF2B5EF4-FFF2-40B4-BE49-F238E27FC236}">
-                <a16:creationId xmlns:a16="http://schemas.microsoft.com/office/drawing/2014/main" id="{B732E62D-65E0-4AF3-9F73-267A09BF660E}"/>
-              </a:ext>
-            </a:extLst>
-          </p:cNvPr>
-          <p:cNvPicPr>
-            <a:picLocks noChangeAspect="1"/>
-          </p:cNvPicPr>
-          <p:nvPr userDrawn="1"/>
-        </p:nvPicPr>
-        <p:blipFill>
-          <a:blip r:embed="rId14"/>
-          <a:stretch>
-            <a:fillRect/>
-          </a:stretch>
-        </p:blipFill>
-        <p:spPr>
-          <a:xfrm>
-            <a:off x="8411164" y="5047695"/>
-            <a:ext cx="1839530" cy="567666"/>
-          </a:xfrm>
-          <a:prstGeom prst="rect">
-            <a:avLst/>
-          </a:prstGeom>
-        </p:spPr>
-      </p:pic>
-      <p:pic>
-        <p:nvPicPr>
           <p:cNvPr id="55" name="Gráfico 54">
             <a:extLst>
               <a:ext uri="{FF2B5EF4-FFF2-40B4-BE49-F238E27FC236}">
@@ -2237,10 +2027,10 @@
           <p:nvPr userDrawn="1"/>
         </p:nvPicPr>
         <p:blipFill>
-          <a:blip r:embed="rId15">
+          <a:blip r:embed="rId8">
             <a:extLst>
               <a:ext uri="{96DAC541-7B7A-43D3-8B79-37D633B846F1}">
-                <asvg:svgBlip xmlns:asvg="http://schemas.microsoft.com/office/drawing/2016/SVG/main" r:embed="rId16"/>
+                <asvg:svgBlip xmlns:asvg="http://schemas.microsoft.com/office/drawing/2016/SVG/main" r:embed="rId9"/>
               </a:ext>
             </a:extLst>
           </a:blip>
@@ -2273,10 +2063,10 @@
           <p:nvPr userDrawn="1"/>
         </p:nvPicPr>
         <p:blipFill>
-          <a:blip r:embed="rId17">
+          <a:blip r:embed="rId10">
             <a:extLst>
               <a:ext uri="{96DAC541-7B7A-43D3-8B79-37D633B846F1}">
-                <asvg:svgBlip xmlns:asvg="http://schemas.microsoft.com/office/drawing/2016/SVG/main" r:embed="rId18"/>
+                <asvg:svgBlip xmlns:asvg="http://schemas.microsoft.com/office/drawing/2016/SVG/main" r:embed="rId11"/>
               </a:ext>
             </a:extLst>
           </a:blip>
@@ -2288,6 +2078,246 @@
           <a:xfrm>
             <a:off x="5501889" y="2377869"/>
             <a:ext cx="1851408" cy="1347955"/>
+          </a:xfrm>
+          <a:prstGeom prst="rect">
+            <a:avLst/>
+          </a:prstGeom>
+        </p:spPr>
+      </p:pic>
+      <p:pic>
+        <p:nvPicPr>
+          <p:cNvPr id="22" name="Imagen 21">
+            <a:extLst>
+              <a:ext uri="{FF2B5EF4-FFF2-40B4-BE49-F238E27FC236}">
+                <a16:creationId xmlns:a16="http://schemas.microsoft.com/office/drawing/2014/main" id="{426803C9-4FF1-4F11-9E82-47CA01E22E63}"/>
+              </a:ext>
+            </a:extLst>
+          </p:cNvPr>
+          <p:cNvPicPr>
+            <a:picLocks noChangeAspect="1"/>
+          </p:cNvPicPr>
+          <p:nvPr userDrawn="1"/>
+        </p:nvPicPr>
+        <p:blipFill>
+          <a:blip r:embed="rId12"/>
+          <a:stretch>
+            <a:fillRect/>
+          </a:stretch>
+        </p:blipFill>
+        <p:spPr>
+          <a:xfrm>
+            <a:off x="6280496" y="5133072"/>
+            <a:ext cx="2243624" cy="690346"/>
+          </a:xfrm>
+          <a:prstGeom prst="rect">
+            <a:avLst/>
+          </a:prstGeom>
+        </p:spPr>
+      </p:pic>
+      <p:pic>
+        <p:nvPicPr>
+          <p:cNvPr id="23" name="Imagen 22">
+            <a:extLst>
+              <a:ext uri="{FF2B5EF4-FFF2-40B4-BE49-F238E27FC236}">
+                <a16:creationId xmlns:a16="http://schemas.microsoft.com/office/drawing/2014/main" id="{2953B171-B730-4DC7-9CB4-277EE6CC9499}"/>
+              </a:ext>
+            </a:extLst>
+          </p:cNvPr>
+          <p:cNvPicPr>
+            <a:picLocks noChangeAspect="1"/>
+          </p:cNvPicPr>
+          <p:nvPr userDrawn="1"/>
+        </p:nvPicPr>
+        <p:blipFill>
+          <a:blip r:embed="rId13"/>
+          <a:stretch>
+            <a:fillRect/>
+          </a:stretch>
+        </p:blipFill>
+        <p:spPr>
+          <a:xfrm>
+            <a:off x="6585173" y="5797267"/>
+            <a:ext cx="1582743" cy="586201"/>
+          </a:xfrm>
+          <a:prstGeom prst="rect">
+            <a:avLst/>
+          </a:prstGeom>
+        </p:spPr>
+      </p:pic>
+      <p:pic>
+        <p:nvPicPr>
+          <p:cNvPr id="24" name="Imagen 23">
+            <a:extLst>
+              <a:ext uri="{FF2B5EF4-FFF2-40B4-BE49-F238E27FC236}">
+                <a16:creationId xmlns:a16="http://schemas.microsoft.com/office/drawing/2014/main" id="{5AA13603-2FBB-4665-9329-CDD7E783F47D}"/>
+              </a:ext>
+            </a:extLst>
+          </p:cNvPr>
+          <p:cNvPicPr>
+            <a:picLocks noChangeAspect="1"/>
+          </p:cNvPicPr>
+          <p:nvPr userDrawn="1"/>
+        </p:nvPicPr>
+        <p:blipFill>
+          <a:blip r:embed="rId14"/>
+          <a:stretch>
+            <a:fillRect/>
+          </a:stretch>
+        </p:blipFill>
+        <p:spPr>
+          <a:xfrm>
+            <a:off x="1742944" y="5168113"/>
+            <a:ext cx="2015855" cy="620263"/>
+          </a:xfrm>
+          <a:prstGeom prst="rect">
+            <a:avLst/>
+          </a:prstGeom>
+        </p:spPr>
+      </p:pic>
+      <p:pic>
+        <p:nvPicPr>
+          <p:cNvPr id="25" name="Imagen 24">
+            <a:extLst>
+              <a:ext uri="{FF2B5EF4-FFF2-40B4-BE49-F238E27FC236}">
+                <a16:creationId xmlns:a16="http://schemas.microsoft.com/office/drawing/2014/main" id="{801BB93B-D523-405D-8006-E548C05DD4F8}"/>
+              </a:ext>
+            </a:extLst>
+          </p:cNvPr>
+          <p:cNvPicPr>
+            <a:picLocks noChangeAspect="1"/>
+          </p:cNvPicPr>
+          <p:nvPr userDrawn="1"/>
+        </p:nvPicPr>
+        <p:blipFill>
+          <a:blip r:embed="rId15"/>
+          <a:stretch>
+            <a:fillRect/>
+          </a:stretch>
+        </p:blipFill>
+        <p:spPr>
+          <a:xfrm>
+            <a:off x="4058691" y="5210611"/>
+            <a:ext cx="2144054" cy="560669"/>
+          </a:xfrm>
+          <a:prstGeom prst="rect">
+            <a:avLst/>
+          </a:prstGeom>
+        </p:spPr>
+      </p:pic>
+      <p:pic>
+        <p:nvPicPr>
+          <p:cNvPr id="26" name="Imagen 25">
+            <a:extLst>
+              <a:ext uri="{FF2B5EF4-FFF2-40B4-BE49-F238E27FC236}">
+                <a16:creationId xmlns:a16="http://schemas.microsoft.com/office/drawing/2014/main" id="{2B54AD68-C8CD-4135-A51F-011D6505C63E}"/>
+              </a:ext>
+            </a:extLst>
+          </p:cNvPr>
+          <p:cNvPicPr>
+            <a:picLocks noChangeAspect="1"/>
+          </p:cNvPicPr>
+          <p:nvPr userDrawn="1"/>
+        </p:nvPicPr>
+        <p:blipFill>
+          <a:blip r:embed="rId16"/>
+          <a:stretch>
+            <a:fillRect/>
+          </a:stretch>
+        </p:blipFill>
+        <p:spPr>
+          <a:xfrm>
+            <a:off x="1946157" y="5911986"/>
+            <a:ext cx="1905154" cy="586201"/>
+          </a:xfrm>
+          <a:prstGeom prst="rect">
+            <a:avLst/>
+          </a:prstGeom>
+        </p:spPr>
+      </p:pic>
+      <p:pic>
+        <p:nvPicPr>
+          <p:cNvPr id="29" name="Imagen 28">
+            <a:extLst>
+              <a:ext uri="{FF2B5EF4-FFF2-40B4-BE49-F238E27FC236}">
+                <a16:creationId xmlns:a16="http://schemas.microsoft.com/office/drawing/2014/main" id="{12895AC4-55F1-4950-8A69-3E8DBE84C7B7}"/>
+              </a:ext>
+            </a:extLst>
+          </p:cNvPr>
+          <p:cNvPicPr>
+            <a:picLocks noChangeAspect="1"/>
+          </p:cNvPicPr>
+          <p:nvPr userDrawn="1"/>
+        </p:nvPicPr>
+        <p:blipFill>
+          <a:blip r:embed="rId17"/>
+          <a:stretch>
+            <a:fillRect/>
+          </a:stretch>
+        </p:blipFill>
+        <p:spPr>
+          <a:xfrm>
+            <a:off x="4305306" y="6000501"/>
+            <a:ext cx="1800350" cy="409170"/>
+          </a:xfrm>
+          <a:prstGeom prst="rect">
+            <a:avLst/>
+          </a:prstGeom>
+        </p:spPr>
+      </p:pic>
+      <p:pic>
+        <p:nvPicPr>
+          <p:cNvPr id="30" name="Imagen 29">
+            <a:extLst>
+              <a:ext uri="{FF2B5EF4-FFF2-40B4-BE49-F238E27FC236}">
+                <a16:creationId xmlns:a16="http://schemas.microsoft.com/office/drawing/2014/main" id="{2A9675F9-2A25-42A7-A89B-6B5BECF22D99}"/>
+              </a:ext>
+            </a:extLst>
+          </p:cNvPr>
+          <p:cNvPicPr>
+            <a:picLocks noChangeAspect="1"/>
+          </p:cNvPicPr>
+          <p:nvPr userDrawn="1"/>
+        </p:nvPicPr>
+        <p:blipFill>
+          <a:blip r:embed="rId18"/>
+          <a:stretch>
+            <a:fillRect/>
+          </a:stretch>
+        </p:blipFill>
+        <p:spPr>
+          <a:xfrm>
+            <a:off x="8653606" y="5054665"/>
+            <a:ext cx="1839530" cy="567666"/>
+          </a:xfrm>
+          <a:prstGeom prst="rect">
+            <a:avLst/>
+          </a:prstGeom>
+        </p:spPr>
+      </p:pic>
+      <p:pic>
+        <p:nvPicPr>
+          <p:cNvPr id="32" name="Imagen 31">
+            <a:extLst>
+              <a:ext uri="{FF2B5EF4-FFF2-40B4-BE49-F238E27FC236}">
+                <a16:creationId xmlns:a16="http://schemas.microsoft.com/office/drawing/2014/main" id="{1320AAE5-7042-4FF9-A820-FA448E96B2E4}"/>
+              </a:ext>
+            </a:extLst>
+          </p:cNvPr>
+          <p:cNvPicPr>
+            <a:picLocks noChangeAspect="1"/>
+          </p:cNvPicPr>
+          <p:nvPr userDrawn="1"/>
+        </p:nvPicPr>
+        <p:blipFill>
+          <a:blip r:embed="rId19"/>
+          <a:stretch>
+            <a:fillRect/>
+          </a:stretch>
+        </p:blipFill>
+        <p:spPr>
+          <a:xfrm>
+            <a:off x="8647433" y="5788376"/>
+            <a:ext cx="1839529" cy="634175"/>
           </a:xfrm>
           <a:prstGeom prst="rect">
             <a:avLst/>
@@ -25569,10 +25599,10 @@
       </p:graphicFrame>
       <p:pic>
         <p:nvPicPr>
-          <p:cNvPr id="27" name="Imagen 26">
+          <p:cNvPr id="14" name="Imagen 13">
             <a:extLst>
               <a:ext uri="{FF2B5EF4-FFF2-40B4-BE49-F238E27FC236}">
-                <a16:creationId xmlns:a16="http://schemas.microsoft.com/office/drawing/2014/main" id="{00C8D22B-6FB1-44B3-9B2A-665925B181E4}"/>
+                <a16:creationId xmlns:a16="http://schemas.microsoft.com/office/drawing/2014/main" id="{2A71FCE8-EAAA-488A-A778-3E118316C27F}"/>
               </a:ext>
             </a:extLst>
           </p:cNvPr>
@@ -25589,7 +25619,7 @@
         </p:blipFill>
         <p:spPr>
           <a:xfrm>
-            <a:off x="501323" y="5106327"/>
+            <a:off x="535251" y="4091351"/>
             <a:ext cx="3299139" cy="1015120"/>
           </a:xfrm>
           <a:prstGeom prst="rect">
@@ -25599,10 +25629,10 @@
       </p:pic>
       <p:pic>
         <p:nvPicPr>
-          <p:cNvPr id="35" name="Imagen 34">
+          <p:cNvPr id="15" name="Imagen 14">
             <a:extLst>
               <a:ext uri="{FF2B5EF4-FFF2-40B4-BE49-F238E27FC236}">
-                <a16:creationId xmlns:a16="http://schemas.microsoft.com/office/drawing/2014/main" id="{B20103D2-6A8D-4961-A9FC-C645273D36EA}"/>
+                <a16:creationId xmlns:a16="http://schemas.microsoft.com/office/drawing/2014/main" id="{4C0EB783-AEBC-4F08-91A9-736A4525D805}"/>
               </a:ext>
             </a:extLst>
           </p:cNvPr>
@@ -25619,8 +25649,8 @@
         </p:blipFill>
         <p:spPr>
           <a:xfrm>
-            <a:off x="4795788" y="2889461"/>
-            <a:ext cx="2964216" cy="912066"/>
+            <a:off x="836952" y="5359947"/>
+            <a:ext cx="3152727" cy="824437"/>
           </a:xfrm>
           <a:prstGeom prst="rect">
             <a:avLst/>
@@ -25629,10 +25659,10 @@
       </p:pic>
       <p:pic>
         <p:nvPicPr>
-          <p:cNvPr id="36" name="Imagen 35">
+          <p:cNvPr id="16" name="Imagen 15">
             <a:extLst>
               <a:ext uri="{FF2B5EF4-FFF2-40B4-BE49-F238E27FC236}">
-                <a16:creationId xmlns:a16="http://schemas.microsoft.com/office/drawing/2014/main" id="{06B717A3-D1D7-4E20-8A78-D374F2E8165E}"/>
+                <a16:creationId xmlns:a16="http://schemas.microsoft.com/office/drawing/2014/main" id="{4A14AFD9-4471-4006-98E2-4677D5F34A42}"/>
               </a:ext>
             </a:extLst>
           </p:cNvPr>
@@ -25649,8 +25679,8 @@
         </p:blipFill>
         <p:spPr>
           <a:xfrm>
-            <a:off x="4770299" y="4103833"/>
-            <a:ext cx="3152727" cy="824437"/>
+            <a:off x="8701034" y="3081791"/>
+            <a:ext cx="2801436" cy="861980"/>
           </a:xfrm>
           <a:prstGeom prst="rect">
             <a:avLst/>
@@ -25659,10 +25689,10 @@
       </p:pic>
       <p:pic>
         <p:nvPicPr>
-          <p:cNvPr id="37" name="Imagen 36">
+          <p:cNvPr id="17" name="Imagen 16">
             <a:extLst>
               <a:ext uri="{FF2B5EF4-FFF2-40B4-BE49-F238E27FC236}">
-                <a16:creationId xmlns:a16="http://schemas.microsoft.com/office/drawing/2014/main" id="{4F6582C8-181F-45AB-8FDC-D2A5D1DE0868}"/>
+                <a16:creationId xmlns:a16="http://schemas.microsoft.com/office/drawing/2014/main" id="{1906E66E-0FB2-42C4-A97F-B76010164467}"/>
               </a:ext>
             </a:extLst>
           </p:cNvPr>
@@ -25679,8 +25709,8 @@
         </p:blipFill>
         <p:spPr>
           <a:xfrm>
-            <a:off x="8656795" y="4066290"/>
-            <a:ext cx="2801436" cy="861980"/>
+            <a:off x="9075344" y="3970682"/>
+            <a:ext cx="2327347" cy="861980"/>
           </a:xfrm>
           <a:prstGeom prst="rect">
             <a:avLst/>
@@ -25689,10 +25719,10 @@
       </p:pic>
       <p:pic>
         <p:nvPicPr>
-          <p:cNvPr id="38" name="Imagen 37">
+          <p:cNvPr id="18" name="Imagen 17">
             <a:extLst>
               <a:ext uri="{FF2B5EF4-FFF2-40B4-BE49-F238E27FC236}">
-                <a16:creationId xmlns:a16="http://schemas.microsoft.com/office/drawing/2014/main" id="{6286BA83-1331-4607-A514-6A7126E17B69}"/>
+                <a16:creationId xmlns:a16="http://schemas.microsoft.com/office/drawing/2014/main" id="{5D6A1243-610D-4E65-986B-3C453E950343}"/>
               </a:ext>
             </a:extLst>
           </p:cNvPr>
@@ -25709,8 +25739,8 @@
         </p:blipFill>
         <p:spPr>
           <a:xfrm>
-            <a:off x="8892861" y="5034166"/>
-            <a:ext cx="2327347" cy="861980"/>
+            <a:off x="5003367" y="4755776"/>
+            <a:ext cx="2647327" cy="601665"/>
           </a:xfrm>
           <a:prstGeom prst="rect">
             <a:avLst/>
@@ -25719,10 +25749,10 @@
       </p:pic>
       <p:pic>
         <p:nvPicPr>
-          <p:cNvPr id="39" name="Imagen 38">
+          <p:cNvPr id="19" name="Imagen 18">
             <a:extLst>
               <a:ext uri="{FF2B5EF4-FFF2-40B4-BE49-F238E27FC236}">
-                <a16:creationId xmlns:a16="http://schemas.microsoft.com/office/drawing/2014/main" id="{C38881CE-ACE0-4F86-BDCB-651601AB78BD}"/>
+                <a16:creationId xmlns:a16="http://schemas.microsoft.com/office/drawing/2014/main" id="{B0B032CA-C2AD-476A-BBEB-1B446B028FD3}"/>
               </a:ext>
             </a:extLst>
           </p:cNvPr>
@@ -25739,8 +25769,8 @@
         </p:blipFill>
         <p:spPr>
           <a:xfrm>
-            <a:off x="5022998" y="5313055"/>
-            <a:ext cx="2647327" cy="601665"/>
+            <a:off x="1025219" y="3037343"/>
+            <a:ext cx="2594132" cy="800532"/>
           </a:xfrm>
           <a:prstGeom prst="rect">
             <a:avLst/>
@@ -25749,10 +25779,10 @@
       </p:pic>
       <p:pic>
         <p:nvPicPr>
-          <p:cNvPr id="40" name="Imagen 39">
+          <p:cNvPr id="20" name="Imagen 19">
             <a:extLst>
               <a:ext uri="{FF2B5EF4-FFF2-40B4-BE49-F238E27FC236}">
-                <a16:creationId xmlns:a16="http://schemas.microsoft.com/office/drawing/2014/main" id="{4F953C2C-6DFB-43C8-882C-B32DB0BB29D6}"/>
+                <a16:creationId xmlns:a16="http://schemas.microsoft.com/office/drawing/2014/main" id="{2FCE54DD-029A-4F91-81D6-CBB8A779169E}"/>
               </a:ext>
             </a:extLst>
           </p:cNvPr>
@@ -25769,8 +25799,38 @@
         </p:blipFill>
         <p:spPr>
           <a:xfrm>
-            <a:off x="941074" y="4020721"/>
-            <a:ext cx="2594132" cy="800532"/>
+            <a:off x="9010948" y="5213153"/>
+            <a:ext cx="2391743" cy="824551"/>
+          </a:xfrm>
+          <a:prstGeom prst="rect">
+            <a:avLst/>
+          </a:prstGeom>
+        </p:spPr>
+      </p:pic>
+      <p:pic>
+        <p:nvPicPr>
+          <p:cNvPr id="21" name="Imagen 20">
+            <a:extLst>
+              <a:ext uri="{FF2B5EF4-FFF2-40B4-BE49-F238E27FC236}">
+                <a16:creationId xmlns:a16="http://schemas.microsoft.com/office/drawing/2014/main" id="{DFA74123-9341-4C24-BB9A-7F8958ED633F}"/>
+              </a:ext>
+            </a:extLst>
+          </p:cNvPr>
+          <p:cNvPicPr>
+            <a:picLocks noChangeAspect="1"/>
+          </p:cNvPicPr>
+          <p:nvPr userDrawn="1"/>
+        </p:nvPicPr>
+        <p:blipFill>
+          <a:blip r:embed="rId16"/>
+          <a:stretch>
+            <a:fillRect/>
+          </a:stretch>
+        </p:blipFill>
+        <p:spPr>
+          <a:xfrm>
+            <a:off x="4831769" y="3336406"/>
+            <a:ext cx="2964216" cy="912066"/>
           </a:xfrm>
           <a:prstGeom prst="rect">
             <a:avLst/>
